--- a/rampPosterSFN2018Final.pptx
+++ b/rampPosterSFN2018Final.pptx
@@ -209,7 +209,7 @@
             <a:fld id="{7528212C-E14D-47E6-BF5A-B7E00B760EDE}" type="datetimeFigureOut">
               <a:rPr lang="de-DE" smtClean="0"/>
               <a:pPr/>
-              <a:t>01.11.2018</a:t>
+              <a:t>02.11.2018</a:t>
             </a:fld>
             <a:endParaRPr lang="de-DE" dirty="0"/>
           </a:p>
@@ -746,7 +746,7 @@
             <a:fld id="{0DBF1F82-4E5B-4407-973D-C7AE76259AD1}" type="datetimeFigureOut">
               <a:rPr lang="de-DE" smtClean="0"/>
               <a:pPr/>
-              <a:t>01.11.2018</a:t>
+              <a:t>02.11.2018</a:t>
             </a:fld>
             <a:endParaRPr lang="de-DE" dirty="0"/>
           </a:p>
@@ -911,7 +911,7 @@
             <a:fld id="{0DBF1F82-4E5B-4407-973D-C7AE76259AD1}" type="datetimeFigureOut">
               <a:rPr lang="de-DE" smtClean="0"/>
               <a:pPr/>
-              <a:t>01.11.2018</a:t>
+              <a:t>02.11.2018</a:t>
             </a:fld>
             <a:endParaRPr lang="de-DE" dirty="0"/>
           </a:p>
@@ -1086,7 +1086,7 @@
             <a:fld id="{0DBF1F82-4E5B-4407-973D-C7AE76259AD1}" type="datetimeFigureOut">
               <a:rPr lang="de-DE" smtClean="0"/>
               <a:pPr/>
-              <a:t>01.11.2018</a:t>
+              <a:t>02.11.2018</a:t>
             </a:fld>
             <a:endParaRPr lang="de-DE" dirty="0"/>
           </a:p>
@@ -1251,7 +1251,7 @@
             <a:fld id="{0DBF1F82-4E5B-4407-973D-C7AE76259AD1}" type="datetimeFigureOut">
               <a:rPr lang="de-DE" smtClean="0"/>
               <a:pPr/>
-              <a:t>01.11.2018</a:t>
+              <a:t>02.11.2018</a:t>
             </a:fld>
             <a:endParaRPr lang="de-DE" dirty="0"/>
           </a:p>
@@ -1493,7 +1493,7 @@
             <a:fld id="{0DBF1F82-4E5B-4407-973D-C7AE76259AD1}" type="datetimeFigureOut">
               <a:rPr lang="de-DE" smtClean="0"/>
               <a:pPr/>
-              <a:t>01.11.2018</a:t>
+              <a:t>02.11.2018</a:t>
             </a:fld>
             <a:endParaRPr lang="de-DE" dirty="0"/>
           </a:p>
@@ -1775,7 +1775,7 @@
             <a:fld id="{0DBF1F82-4E5B-4407-973D-C7AE76259AD1}" type="datetimeFigureOut">
               <a:rPr lang="de-DE" smtClean="0"/>
               <a:pPr/>
-              <a:t>01.11.2018</a:t>
+              <a:t>02.11.2018</a:t>
             </a:fld>
             <a:endParaRPr lang="de-DE" dirty="0"/>
           </a:p>
@@ -2196,7 +2196,7 @@
             <a:fld id="{0DBF1F82-4E5B-4407-973D-C7AE76259AD1}" type="datetimeFigureOut">
               <a:rPr lang="de-DE" smtClean="0"/>
               <a:pPr/>
-              <a:t>01.11.2018</a:t>
+              <a:t>02.11.2018</a:t>
             </a:fld>
             <a:endParaRPr lang="de-DE" dirty="0"/>
           </a:p>
@@ -2310,7 +2310,7 @@
             <a:fld id="{0DBF1F82-4E5B-4407-973D-C7AE76259AD1}" type="datetimeFigureOut">
               <a:rPr lang="de-DE" smtClean="0"/>
               <a:pPr/>
-              <a:t>01.11.2018</a:t>
+              <a:t>02.11.2018</a:t>
             </a:fld>
             <a:endParaRPr lang="de-DE" dirty="0"/>
           </a:p>
@@ -2402,7 +2402,7 @@
             <a:fld id="{0DBF1F82-4E5B-4407-973D-C7AE76259AD1}" type="datetimeFigureOut">
               <a:rPr lang="de-DE" smtClean="0"/>
               <a:pPr/>
-              <a:t>01.11.2018</a:t>
+              <a:t>02.11.2018</a:t>
             </a:fld>
             <a:endParaRPr lang="de-DE" dirty="0"/>
           </a:p>
@@ -2674,7 +2674,7 @@
             <a:fld id="{0DBF1F82-4E5B-4407-973D-C7AE76259AD1}" type="datetimeFigureOut">
               <a:rPr lang="de-DE" smtClean="0"/>
               <a:pPr/>
-              <a:t>01.11.2018</a:t>
+              <a:t>02.11.2018</a:t>
             </a:fld>
             <a:endParaRPr lang="de-DE" dirty="0"/>
           </a:p>
@@ -2923,7 +2923,7 @@
             <a:fld id="{0DBF1F82-4E5B-4407-973D-C7AE76259AD1}" type="datetimeFigureOut">
               <a:rPr lang="de-DE" smtClean="0"/>
               <a:pPr/>
-              <a:t>01.11.2018</a:t>
+              <a:t>02.11.2018</a:t>
             </a:fld>
             <a:endParaRPr lang="de-DE" dirty="0"/>
           </a:p>
@@ -3131,7 +3131,7 @@
             <a:fld id="{0DBF1F82-4E5B-4407-973D-C7AE76259AD1}" type="datetimeFigureOut">
               <a:rPr lang="de-DE" smtClean="0"/>
               <a:pPr/>
-              <a:t>01.11.2018</a:t>
+              <a:t>02.11.2018</a:t>
             </a:fld>
             <a:endParaRPr lang="de-DE" dirty="0"/>
           </a:p>
@@ -3510,65 +3510,96 @@
           <a:chExt cx="0" cy="0"/>
         </a:xfrm>
       </p:grpSpPr>
-      <p:pic>
-        <p:nvPicPr>
-          <p:cNvPr id="66" name="Picture 65">
+      <p:grpSp>
+        <p:nvGrpSpPr>
+          <p:cNvPr id="62" name="Group 61">
             <a:extLst>
               <a:ext uri="{FF2B5EF4-FFF2-40B4-BE49-F238E27FC236}">
-                <a16:creationId xmlns:a16="http://schemas.microsoft.com/office/drawing/2014/main" id="{501FE4B7-E383-4C9F-9E66-5280F723ADDA}"/>
+                <a16:creationId xmlns:a16="http://schemas.microsoft.com/office/drawing/2014/main" id="{0FA46012-E754-4A6F-A8A8-3365F6EFB15B}"/>
               </a:ext>
             </a:extLst>
           </p:cNvPr>
-          <p:cNvPicPr>
-            <a:picLocks noChangeAspect="1"/>
-          </p:cNvPicPr>
+          <p:cNvGrpSpPr/>
           <p:nvPr/>
-        </p:nvPicPr>
-        <p:blipFill>
-          <a:blip r:embed="rId3"/>
-          <a:stretch>
-            <a:fillRect/>
-          </a:stretch>
-        </p:blipFill>
-        <p:spPr>
-          <a:xfrm>
-            <a:off x="23062034" y="5766569"/>
-            <a:ext cx="4770574" cy="3322365"/>
-          </a:xfrm>
-          <a:prstGeom prst="rect">
-            <a:avLst/>
-          </a:prstGeom>
-        </p:spPr>
-      </p:pic>
-      <p:pic>
-        <p:nvPicPr>
-          <p:cNvPr id="126" name="Picture 125">
-            <a:extLst>
-              <a:ext uri="{FF2B5EF4-FFF2-40B4-BE49-F238E27FC236}">
-                <a16:creationId xmlns:a16="http://schemas.microsoft.com/office/drawing/2014/main" id="{6CF16740-A794-41E1-8FDB-A7808BD019BF}"/>
-              </a:ext>
-            </a:extLst>
-          </p:cNvPr>
-          <p:cNvPicPr>
-            <a:picLocks noChangeAspect="1"/>
-          </p:cNvPicPr>
-          <p:nvPr/>
-        </p:nvPicPr>
-        <p:blipFill rotWithShape="1">
-          <a:blip r:embed="rId4"/>
-          <a:srcRect l="30486" t="9464" r="30361" b="34442"/>
-          <a:stretch/>
-        </p:blipFill>
-        <p:spPr>
-          <a:xfrm>
-            <a:off x="10593864" y="24578546"/>
-            <a:ext cx="4457224" cy="4356988"/>
-          </a:xfrm>
-          <a:prstGeom prst="rect">
-            <a:avLst/>
-          </a:prstGeom>
-        </p:spPr>
-      </p:pic>
+        </p:nvGrpSpPr>
+        <p:grpSpPr>
+          <a:xfrm>
+            <a:off x="31779838" y="9619192"/>
+            <a:ext cx="4730917" cy="3294745"/>
+            <a:chOff x="31779912" y="9354018"/>
+            <a:chExt cx="4730917" cy="3294745"/>
+          </a:xfrm>
+        </p:grpSpPr>
+        <p:pic>
+          <p:nvPicPr>
+            <p:cNvPr id="22" name="Picture 21">
+              <a:extLst>
+                <a:ext uri="{FF2B5EF4-FFF2-40B4-BE49-F238E27FC236}">
+                  <a16:creationId xmlns:a16="http://schemas.microsoft.com/office/drawing/2014/main" id="{1D2A00A2-3934-40C3-9DEC-B66EE00D7B20}"/>
+                </a:ext>
+              </a:extLst>
+            </p:cNvPr>
+            <p:cNvPicPr>
+              <a:picLocks noChangeAspect="1"/>
+            </p:cNvPicPr>
+            <p:nvPr/>
+          </p:nvPicPr>
+          <p:blipFill>
+            <a:blip r:embed="rId3"/>
+            <a:stretch>
+              <a:fillRect/>
+            </a:stretch>
+          </p:blipFill>
+          <p:spPr>
+            <a:xfrm>
+              <a:off x="31779912" y="9354018"/>
+              <a:ext cx="4730917" cy="3294745"/>
+            </a:xfrm>
+            <a:prstGeom prst="rect">
+              <a:avLst/>
+            </a:prstGeom>
+          </p:spPr>
+        </p:pic>
+        <p:sp>
+          <p:nvSpPr>
+            <p:cNvPr id="129" name="TextBox 128">
+              <a:extLst>
+                <a:ext uri="{FF2B5EF4-FFF2-40B4-BE49-F238E27FC236}">
+                  <a16:creationId xmlns:a16="http://schemas.microsoft.com/office/drawing/2014/main" id="{45F8CC9A-3EB2-44D9-A787-9A6AB3287E92}"/>
+                </a:ext>
+              </a:extLst>
+            </p:cNvPr>
+            <p:cNvSpPr txBox="1"/>
+            <p:nvPr/>
+          </p:nvSpPr>
+          <p:spPr>
+            <a:xfrm>
+              <a:off x="32529268" y="9432304"/>
+              <a:ext cx="3255571" cy="353943"/>
+            </a:xfrm>
+            <a:prstGeom prst="rect">
+              <a:avLst/>
+            </a:prstGeom>
+            <a:solidFill>
+              <a:schemeClr val="bg1"/>
+            </a:solidFill>
+          </p:spPr>
+          <p:txBody>
+            <a:bodyPr wrap="none" rtlCol="0">
+              <a:spAutoFit/>
+            </a:bodyPr>
+            <a:lstStyle/>
+            <a:p>
+              <a:r>
+                <a:rPr lang="en-US" sz="1700" b="1" dirty="0">
+                  <a:latin typeface="Avenir Heavy"/>
+                </a:rPr>
+                <a:t>Gamble slopes of each participant</a:t>
+              </a:r>
+            </a:p>
+          </p:txBody>
+        </p:sp>
+      </p:grpSp>
       <p:grpSp>
         <p:nvGrpSpPr>
           <p:cNvPr id="89" name="Group 88">
@@ -3583,7 +3614,7 @@
         </p:nvGrpSpPr>
         <p:grpSpPr>
           <a:xfrm>
-            <a:off x="4019562" y="20924431"/>
+            <a:off x="4019562" y="20394723"/>
             <a:ext cx="5609373" cy="3827133"/>
             <a:chOff x="381828" y="2022688"/>
             <a:chExt cx="2378620" cy="1622872"/>
@@ -3679,7 +3710,7 @@
         </p:nvGrpSpPr>
         <p:grpSpPr>
           <a:xfrm>
-            <a:off x="17308113" y="23051590"/>
+            <a:off x="17308113" y="22521882"/>
             <a:ext cx="4601793" cy="3344916"/>
             <a:chOff x="7404811" y="5427729"/>
             <a:chExt cx="1951362" cy="1418391"/>
@@ -3761,36 +3792,6 @@
           </p:txBody>
         </p:sp>
       </p:grpSp>
-      <p:pic>
-        <p:nvPicPr>
-          <p:cNvPr id="27" name="Picture 26">
-            <a:extLst>
-              <a:ext uri="{FF2B5EF4-FFF2-40B4-BE49-F238E27FC236}">
-                <a16:creationId xmlns:a16="http://schemas.microsoft.com/office/drawing/2014/main" id="{8D533106-5685-467E-B890-6ACA0AFA661B}"/>
-              </a:ext>
-            </a:extLst>
-          </p:cNvPr>
-          <p:cNvPicPr>
-            <a:picLocks noChangeAspect="1"/>
-          </p:cNvPicPr>
-          <p:nvPr/>
-        </p:nvPicPr>
-        <p:blipFill>
-          <a:blip r:embed="rId6"/>
-          <a:stretch>
-            <a:fillRect/>
-          </a:stretch>
-        </p:blipFill>
-        <p:spPr>
-          <a:xfrm>
-            <a:off x="28074124" y="5488534"/>
-            <a:ext cx="2957084" cy="2134610"/>
-          </a:xfrm>
-          <a:prstGeom prst="rect">
-            <a:avLst/>
-          </a:prstGeom>
-        </p:spPr>
-      </p:pic>
       <p:sp>
         <p:nvSpPr>
           <p:cNvPr id="144" name="Abgerundetes Rechteck 143"/>
@@ -4009,7 +4010,7 @@
         </p:nvSpPr>
         <p:spPr>
           <a:xfrm>
-            <a:off x="22149514" y="3759890"/>
+            <a:off x="22149514" y="3847855"/>
             <a:ext cx="19800000" cy="1079641"/>
           </a:xfrm>
           <a:prstGeom prst="rect">
@@ -4468,7 +4469,7 @@
         </p:nvSpPr>
         <p:spPr>
           <a:xfrm>
-            <a:off x="-405722" y="3756415"/>
+            <a:off x="-430497" y="3875223"/>
             <a:ext cx="19800000" cy="1079641"/>
           </a:xfrm>
           <a:prstGeom prst="rect">
@@ -4508,7 +4509,7 @@
         </p:nvSpPr>
         <p:spPr>
           <a:xfrm>
-            <a:off x="22211306" y="21114749"/>
+            <a:off x="22223181" y="21377945"/>
             <a:ext cx="19793546" cy="1079641"/>
           </a:xfrm>
           <a:prstGeom prst="rect">
@@ -4547,7 +4548,7 @@
         </p:nvSpPr>
         <p:spPr>
           <a:xfrm>
-            <a:off x="22394504" y="26620060"/>
+            <a:off x="22394502" y="26326400"/>
             <a:ext cx="19646663" cy="2895523"/>
           </a:xfrm>
           <a:prstGeom prst="rect">
@@ -4882,7 +4883,7 @@
           <p:nvPr/>
         </p:nvPicPr>
         <p:blipFill>
-          <a:blip r:embed="rId7">
+          <a:blip r:embed="rId6">
             <a:extLst>
               <a:ext uri="{28A0092B-C50C-407E-A947-70E740481C1C}">
                 <a14:useLocalDpi xmlns:a14="http://schemas.microsoft.com/office/drawing/2010/main" val="0"/>
@@ -4895,7 +4896,7 @@
         </p:blipFill>
         <p:spPr>
           <a:xfrm>
-            <a:off x="1077142" y="561243"/>
+            <a:off x="1148591" y="645544"/>
             <a:ext cx="2615299" cy="3042790"/>
           </a:xfrm>
           <a:prstGeom prst="rect">
@@ -5003,7 +5004,7 @@
         </p:nvSpPr>
         <p:spPr>
           <a:xfrm>
-            <a:off x="0" y="17521033"/>
+            <a:off x="0" y="16865798"/>
             <a:ext cx="19276760" cy="1079641"/>
           </a:xfrm>
           <a:prstGeom prst="rect">
@@ -5042,8 +5043,8 @@
         </p:nvSpPr>
         <p:spPr>
           <a:xfrm>
-            <a:off x="15737012" y="25507354"/>
-            <a:ext cx="6720935" cy="3954929"/>
+            <a:off x="15578044" y="25138572"/>
+            <a:ext cx="5886729" cy="4324261"/>
           </a:xfrm>
           <a:prstGeom prst="rect">
             <a:avLst/>
@@ -5157,7 +5158,7 @@
               <a:rPr lang="en-US" sz="2400" noProof="1">
                 <a:latin typeface="+mj-lt"/>
               </a:rPr>
-              <a:t>The possible loss of the gamble was always $0</a:t>
+              <a:t>Gamble losses were always 0$</a:t>
             </a:r>
           </a:p>
           <a:p>
@@ -5190,7 +5191,7 @@
           <p:nvPr/>
         </p:nvPicPr>
         <p:blipFill>
-          <a:blip r:embed="rId8"/>
+          <a:blip r:embed="rId7"/>
           <a:stretch>
             <a:fillRect/>
           </a:stretch>
@@ -5219,7 +5220,7 @@
         </p:nvSpPr>
         <p:spPr>
           <a:xfrm>
-            <a:off x="1711061" y="12487866"/>
+            <a:off x="1723101" y="11779138"/>
             <a:ext cx="407484" cy="461665"/>
           </a:xfrm>
           <a:prstGeom prst="rect">
@@ -5256,7 +5257,7 @@
         </p:nvSpPr>
         <p:spPr>
           <a:xfrm>
-            <a:off x="7107759" y="12491339"/>
+            <a:off x="7119799" y="11782611"/>
             <a:ext cx="407484" cy="461665"/>
           </a:xfrm>
           <a:prstGeom prst="rect">
@@ -5346,7 +5347,7 @@
           <p:nvPr/>
         </p:nvPicPr>
         <p:blipFill>
-          <a:blip r:embed="rId9" cstate="print">
+          <a:blip r:embed="rId8" cstate="print">
             <a:extLst>
               <a:ext uri="{28A0092B-C50C-407E-A947-70E740481C1C}">
                 <a14:useLocalDpi xmlns:a14="http://schemas.microsoft.com/office/drawing/2010/main" val="0"/>
@@ -5359,8 +5360,8 @@
         </p:blipFill>
         <p:spPr>
           <a:xfrm>
-            <a:off x="35018468" y="863139"/>
-            <a:ext cx="7547339" cy="2650295"/>
+            <a:off x="34830112" y="954606"/>
+            <a:ext cx="6964694" cy="2445696"/>
           </a:xfrm>
           <a:prstGeom prst="rect">
             <a:avLst/>
@@ -5381,7 +5382,7 @@
         </p:nvSpPr>
         <p:spPr>
           <a:xfrm>
-            <a:off x="14371285" y="12493651"/>
+            <a:off x="14383325" y="11784923"/>
             <a:ext cx="407484" cy="461665"/>
           </a:xfrm>
           <a:prstGeom prst="rect">
@@ -5419,15 +5420,15 @@
           <p:nvPr/>
         </p:nvPicPr>
         <p:blipFill>
-          <a:blip r:embed="rId10"/>
+          <a:blip r:embed="rId9"/>
           <a:stretch>
             <a:fillRect/>
           </a:stretch>
         </p:blipFill>
         <p:spPr>
           <a:xfrm>
-            <a:off x="7224202" y="13412814"/>
-            <a:ext cx="6698338" cy="3741298"/>
+            <a:off x="7004250" y="12568131"/>
+            <a:ext cx="6941749" cy="3877253"/>
           </a:xfrm>
           <a:prstGeom prst="rect">
             <a:avLst/>
@@ -5448,7 +5449,7 @@
         </p:nvSpPr>
         <p:spPr>
           <a:xfrm>
-            <a:off x="7484990" y="17081959"/>
+            <a:off x="7497030" y="16373231"/>
             <a:ext cx="6236677" cy="369332"/>
           </a:xfrm>
           <a:prstGeom prst="rect">
@@ -5541,14 +5542,14 @@
           <p:nvPr/>
         </p:nvPicPr>
         <p:blipFill>
-          <a:blip r:embed="rId11"/>
+          <a:blip r:embed="rId10"/>
           <a:stretch>
             <a:fillRect/>
           </a:stretch>
         </p:blipFill>
         <p:spPr>
           <a:xfrm>
-            <a:off x="2147066" y="13073528"/>
+            <a:off x="2159106" y="12364800"/>
             <a:ext cx="3655466" cy="2064078"/>
           </a:xfrm>
           <a:prstGeom prst="rect">
@@ -5571,14 +5572,14 @@
           <p:nvPr/>
         </p:nvPicPr>
         <p:blipFill>
-          <a:blip r:embed="rId12"/>
+          <a:blip r:embed="rId11"/>
           <a:stretch>
             <a:fillRect/>
           </a:stretch>
         </p:blipFill>
         <p:spPr>
           <a:xfrm>
-            <a:off x="2267991" y="15130340"/>
+            <a:off x="2251722" y="14395460"/>
             <a:ext cx="3498756" cy="2067099"/>
           </a:xfrm>
           <a:prstGeom prst="rect">
@@ -5600,7 +5601,7 @@
         </p:nvSpPr>
         <p:spPr>
           <a:xfrm>
-            <a:off x="-9445" y="19929780"/>
+            <a:off x="-23870" y="19457865"/>
             <a:ext cx="19276760" cy="1079641"/>
           </a:xfrm>
           <a:prstGeom prst="rect">
@@ -5652,7 +5653,7 @@
         </p:nvSpPr>
         <p:spPr>
           <a:xfrm>
-            <a:off x="1231680" y="18324277"/>
+            <a:off x="1231680" y="17669042"/>
             <a:ext cx="17375775" cy="1892826"/>
           </a:xfrm>
           <a:prstGeom prst="rect">
@@ -5710,7 +5711,7 @@
           <p:nvPr>
             <p:extLst>
               <p:ext uri="{D42A27DB-BD31-4B8C-83A1-F6EECF244321}">
-                <p14:modId xmlns:p14="http://schemas.microsoft.com/office/powerpoint/2010/main" val="1019003268"/>
+                <p14:modId xmlns:p14="http://schemas.microsoft.com/office/powerpoint/2010/main" val="1019984208"/>
               </p:ext>
             </p:extLst>
           </p:nvPr>
@@ -6127,7 +6128,7 @@
                 <a:latin typeface="Avenir Heavy"/>
                 <a:cs typeface="Avenir Heavy"/>
               </a:rPr>
-              <a:t>Guaranteed amount manipulation (Magnitude)</a:t>
+              <a:t>Certain amount manipulation (Magnitude)</a:t>
             </a:r>
           </a:p>
         </p:txBody>
@@ -6189,7 +6190,7 @@
         </p:nvSpPr>
         <p:spPr>
           <a:xfrm>
-            <a:off x="656611" y="26606778"/>
+            <a:off x="667546" y="26606778"/>
             <a:ext cx="731015" cy="461665"/>
           </a:xfrm>
           <a:prstGeom prst="rect">
@@ -6232,7 +6233,7 @@
         </p:nvSpPr>
         <p:spPr>
           <a:xfrm>
-            <a:off x="615480" y="28357461"/>
+            <a:off x="649549" y="28357461"/>
             <a:ext cx="882093" cy="461665"/>
           </a:xfrm>
           <a:prstGeom prst="rect">
@@ -6275,7 +6276,7 @@
         </p:nvSpPr>
         <p:spPr>
           <a:xfrm>
-            <a:off x="15051088" y="17081822"/>
+            <a:off x="14997138" y="16373094"/>
             <a:ext cx="6236677" cy="446276"/>
           </a:xfrm>
           <a:prstGeom prst="rect">
@@ -6361,7 +6362,7 @@
         </p:nvSpPr>
         <p:spPr>
           <a:xfrm>
-            <a:off x="1177911" y="17140067"/>
+            <a:off x="1271629" y="16431339"/>
             <a:ext cx="6236677" cy="230832"/>
           </a:xfrm>
           <a:prstGeom prst="rect">
@@ -6428,7 +6429,7 @@
         </p:nvGrpSpPr>
         <p:grpSpPr>
           <a:xfrm>
-            <a:off x="13520766" y="21175596"/>
+            <a:off x="13520766" y="20645888"/>
             <a:ext cx="3541210" cy="2283204"/>
             <a:chOff x="5193079" y="4397282"/>
             <a:chExt cx="1501629" cy="968179"/>
@@ -6449,7 +6450,7 @@
             <p:nvPr/>
           </p:nvPicPr>
           <p:blipFill>
-            <a:blip r:embed="rId13"/>
+            <a:blip r:embed="rId12"/>
             <a:stretch>
               <a:fillRect/>
             </a:stretch>
@@ -6524,7 +6525,7 @@
         </p:nvGrpSpPr>
         <p:grpSpPr>
           <a:xfrm>
-            <a:off x="17692021" y="19151631"/>
+            <a:off x="17692021" y="18621923"/>
             <a:ext cx="4075200" cy="2682719"/>
             <a:chOff x="3284310" y="5592929"/>
             <a:chExt cx="1728064" cy="1137591"/>
@@ -6545,7 +6546,7 @@
             <p:nvPr/>
           </p:nvPicPr>
           <p:blipFill>
-            <a:blip r:embed="rId14"/>
+            <a:blip r:embed="rId13"/>
             <a:stretch>
               <a:fillRect/>
             </a:stretch>
@@ -6620,7 +6621,7 @@
         </p:nvGrpSpPr>
         <p:grpSpPr>
           <a:xfrm>
-            <a:off x="105684" y="20694946"/>
+            <a:off x="105684" y="20165238"/>
             <a:ext cx="4887582" cy="3119162"/>
             <a:chOff x="532014" y="580779"/>
             <a:chExt cx="2072549" cy="1322661"/>
@@ -6641,7 +6642,7 @@
             <p:nvPr/>
           </p:nvPicPr>
           <p:blipFill>
-            <a:blip r:embed="rId15"/>
+            <a:blip r:embed="rId14"/>
             <a:stretch>
               <a:fillRect/>
             </a:stretch>
@@ -6719,7 +6720,7 @@
         </p:nvCxnSpPr>
         <p:spPr>
           <a:xfrm>
-            <a:off x="8601129" y="22319183"/>
+            <a:off x="8601129" y="21789475"/>
             <a:ext cx="664878" cy="4377"/>
           </a:xfrm>
           <a:prstGeom prst="straightConnector1">
@@ -6760,7 +6761,7 @@
         </p:nvCxnSpPr>
         <p:spPr>
           <a:xfrm flipV="1">
-            <a:off x="17059647" y="21428494"/>
+            <a:off x="17059647" y="20898786"/>
             <a:ext cx="632374" cy="934622"/>
           </a:xfrm>
           <a:prstGeom prst="straightConnector1">
@@ -6801,7 +6802,7 @@
         </p:nvCxnSpPr>
         <p:spPr>
           <a:xfrm>
-            <a:off x="12830584" y="22363114"/>
+            <a:off x="12830584" y="21833406"/>
             <a:ext cx="682595" cy="10205"/>
           </a:xfrm>
           <a:prstGeom prst="straightConnector1">
@@ -6842,7 +6843,7 @@
         </p:nvCxnSpPr>
         <p:spPr>
           <a:xfrm>
-            <a:off x="4352783" y="22327179"/>
+            <a:off x="4352783" y="21797471"/>
             <a:ext cx="682595" cy="10205"/>
           </a:xfrm>
           <a:prstGeom prst="straightConnector1">
@@ -6882,7 +6883,7 @@
           <p:nvPr/>
         </p:nvPicPr>
         <p:blipFill>
-          <a:blip r:embed="rId16">
+          <a:blip r:embed="rId15">
             <a:extLst>
               <a:ext uri="{28A0092B-C50C-407E-A947-70E740481C1C}">
                 <a14:useLocalDpi xmlns:a14="http://schemas.microsoft.com/office/drawing/2010/main" val="0"/>
@@ -6895,7 +6896,7 @@
         </p:blipFill>
         <p:spPr>
           <a:xfrm>
-            <a:off x="15026605" y="13246299"/>
+            <a:off x="15038645" y="12537571"/>
             <a:ext cx="5724132" cy="3782614"/>
           </a:xfrm>
           <a:prstGeom prst="rect">
@@ -6917,7 +6918,7 @@
         </p:nvGrpSpPr>
         <p:grpSpPr>
           <a:xfrm>
-            <a:off x="9266007" y="21181957"/>
+            <a:off x="9266007" y="20652249"/>
             <a:ext cx="3541212" cy="2574991"/>
             <a:chOff x="819618" y="3498113"/>
             <a:chExt cx="1501629" cy="1091909"/>
@@ -6938,7 +6939,7 @@
             <p:nvPr/>
           </p:nvPicPr>
           <p:blipFill>
-            <a:blip r:embed="rId17"/>
+            <a:blip r:embed="rId16"/>
             <a:stretch>
               <a:fillRect/>
             </a:stretch>
@@ -7015,7 +7016,7 @@
         </p:nvCxnSpPr>
         <p:spPr>
           <a:xfrm>
-            <a:off x="17061720" y="22343925"/>
+            <a:off x="17061720" y="21814217"/>
             <a:ext cx="776685" cy="735058"/>
           </a:xfrm>
           <a:prstGeom prst="straightConnector1">
@@ -7054,7 +7055,7 @@
         </p:nvSpPr>
         <p:spPr>
           <a:xfrm>
-            <a:off x="27756680" y="13841462"/>
+            <a:off x="27022474" y="17225838"/>
             <a:ext cx="8585667" cy="553998"/>
           </a:xfrm>
           <a:prstGeom prst="rect">
@@ -7074,13 +7075,13 @@
               </a:spcAft>
             </a:pPr>
             <a:r>
-              <a:rPr lang="en-US" sz="3000" noProof="1">
+              <a:rPr lang="en-US" sz="3000" b="1" noProof="1">
                 <a:latin typeface="+mj-lt"/>
                 <a:cs typeface="Avenir Heavy"/>
               </a:rPr>
               <a:t>Participants who passed all the catch trials (n=53)</a:t>
             </a:r>
-            <a:endParaRPr lang="en-US" sz="3200" noProof="1">
+            <a:endParaRPr lang="en-US" sz="3200" b="1" noProof="1">
               <a:latin typeface="+mj-lt"/>
               <a:cs typeface="Avenir Heavy"/>
             </a:endParaRPr>
@@ -7101,7 +7102,7 @@
         </p:nvSpPr>
         <p:spPr>
           <a:xfrm>
-            <a:off x="27755158" y="9520982"/>
+            <a:off x="26737483" y="12855416"/>
             <a:ext cx="9081386" cy="553998"/>
           </a:xfrm>
           <a:prstGeom prst="rect">
@@ -7121,13 +7122,13 @@
               </a:spcAft>
             </a:pPr>
             <a:r>
-              <a:rPr lang="en-US" sz="3000" noProof="1">
+              <a:rPr lang="en-US" sz="3000" b="1" noProof="1">
                 <a:latin typeface="+mj-lt"/>
                 <a:cs typeface="Avenir Heavy"/>
               </a:rPr>
               <a:t>Participants who failed at least one catch trial (n=87)</a:t>
             </a:r>
-            <a:endParaRPr lang="en-US" sz="3200" noProof="1">
+            <a:endParaRPr lang="en-US" sz="3200" b="1" noProof="1">
               <a:latin typeface="+mj-lt"/>
               <a:cs typeface="Avenir Heavy"/>
             </a:endParaRPr>
@@ -7148,7 +7149,7 @@
         </p:nvSpPr>
         <p:spPr>
           <a:xfrm>
-            <a:off x="30015809" y="4754300"/>
+            <a:off x="29246643" y="4912470"/>
             <a:ext cx="4137328" cy="553998"/>
           </a:xfrm>
           <a:prstGeom prst="rect">
@@ -7168,13 +7169,13 @@
               </a:spcAft>
             </a:pPr>
             <a:r>
-              <a:rPr lang="en-US" sz="3000" noProof="1">
+              <a:rPr lang="en-US" sz="3000" b="1" noProof="1">
                 <a:latin typeface="+mj-lt"/>
                 <a:cs typeface="Avenir Heavy"/>
               </a:rPr>
               <a:t>All participants (n=140)</a:t>
             </a:r>
-            <a:endParaRPr lang="en-US" sz="3200" noProof="1">
+            <a:endParaRPr lang="en-US" sz="3200" b="1" noProof="1">
               <a:latin typeface="+mj-lt"/>
               <a:cs typeface="Avenir Heavy"/>
             </a:endParaRPr>
@@ -7195,8 +7196,8 @@
         </p:nvSpPr>
         <p:spPr>
           <a:xfrm>
-            <a:off x="22681640" y="21936040"/>
-            <a:ext cx="19253053" cy="5262979"/>
+            <a:off x="22591308" y="22467317"/>
+            <a:ext cx="19253053" cy="4062651"/>
           </a:xfrm>
           <a:prstGeom prst="rect">
             <a:avLst/>
@@ -7241,19 +7242,7 @@
               <a:rPr lang="en-US" sz="2600" noProof="1">
                 <a:latin typeface="+mj-lt"/>
               </a:rPr>
-              <a:t>Magnitude had no effect on driving gambling behavior but the higher the EV of the gamble was, the more likely a participant gambled. This effect was strongest in participants who passed all catch trials, muted in participants who failed at least one catch trial, and was independent of gamble interruption time.</a:t>
-            </a:r>
-          </a:p>
-          <a:p>
-            <a:pPr marL="457200" indent="-457200">
-              <a:buFont typeface="Arial" panose="020B0604020202020204" pitchFamily="34" charset="0"/>
-              <a:buChar char="•"/>
-            </a:pPr>
-            <a:r>
-              <a:rPr lang="en-US" sz="2600" noProof="1">
-                <a:latin typeface="+mj-lt"/>
-              </a:rPr>
-              <a:t>Future versions will investigate the effect of the progress bar pausing, an instrumental choice being made at the time of the gamble, and removing the gamble preview.</a:t>
+              <a:t>The higher the EV of the gamble was, the more likely a participant gambled. This effect was strongest in participants who passed all catch trials, muted in participants who failed at least one catch trial, and was independent of gamble interruption time.</a:t>
             </a:r>
           </a:p>
           <a:p>
@@ -7333,13 +7322,13 @@
           <p:nvPr/>
         </p:nvPicPr>
         <p:blipFill rotWithShape="1">
-          <a:blip r:embed="rId17"/>
+          <a:blip r:embed="rId16"/>
           <a:srcRect l="-1" t="-218" r="64548" b="88593"/>
           <a:stretch/>
         </p:blipFill>
         <p:spPr>
           <a:xfrm>
-            <a:off x="10710515" y="24176627"/>
+            <a:off x="10710515" y="24510191"/>
             <a:ext cx="2449392" cy="584162"/>
           </a:xfrm>
           <a:prstGeom prst="rect">
@@ -7362,13 +7351,13 @@
           <p:nvPr/>
         </p:nvPicPr>
         <p:blipFill rotWithShape="1">
-          <a:blip r:embed="rId17"/>
+          <a:blip r:embed="rId16"/>
           <a:srcRect l="90630" t="-563" r="-632" b="88593"/>
           <a:stretch/>
         </p:blipFill>
         <p:spPr>
           <a:xfrm>
-            <a:off x="14433219" y="24203533"/>
+            <a:off x="14433219" y="24537097"/>
             <a:ext cx="691100" cy="601475"/>
           </a:xfrm>
           <a:prstGeom prst="rect">
@@ -7390,8 +7379,8 @@
         </p:nvSpPr>
         <p:spPr>
           <a:xfrm>
-            <a:off x="10407614" y="24074723"/>
-            <a:ext cx="4845609" cy="5342380"/>
+            <a:off x="10407614" y="24408287"/>
+            <a:ext cx="4845609" cy="4998610"/>
           </a:xfrm>
           <a:prstGeom prst="rect">
             <a:avLst/>
@@ -7436,285 +7425,15 @@
           <p:nvPr/>
         </p:nvPicPr>
         <p:blipFill>
-          <a:blip r:embed="rId18"/>
+          <a:blip r:embed="rId17"/>
           <a:stretch>
             <a:fillRect/>
           </a:stretch>
         </p:blipFill>
         <p:spPr>
           <a:xfrm rot="20275586">
-            <a:off x="10228250" y="15288282"/>
+            <a:off x="10238060" y="14688352"/>
             <a:ext cx="1885235" cy="174677"/>
-          </a:xfrm>
-          <a:prstGeom prst="rect">
-            <a:avLst/>
-          </a:prstGeom>
-        </p:spPr>
-      </p:pic>
-      <p:pic>
-        <p:nvPicPr>
-          <p:cNvPr id="29" name="Picture 28">
-            <a:extLst>
-              <a:ext uri="{FF2B5EF4-FFF2-40B4-BE49-F238E27FC236}">
-                <a16:creationId xmlns:a16="http://schemas.microsoft.com/office/drawing/2014/main" id="{B10C3A89-55ED-4F48-9E5C-D9B05D52B44F}"/>
-              </a:ext>
-            </a:extLst>
-          </p:cNvPr>
-          <p:cNvPicPr>
-            <a:picLocks noChangeAspect="1"/>
-          </p:cNvPicPr>
-          <p:nvPr/>
-        </p:nvPicPr>
-        <p:blipFill>
-          <a:blip r:embed="rId19"/>
-          <a:stretch>
-            <a:fillRect/>
-          </a:stretch>
-        </p:blipFill>
-        <p:spPr>
-          <a:xfrm>
-            <a:off x="23249149" y="16709567"/>
-            <a:ext cx="2809234" cy="1956431"/>
-          </a:xfrm>
-          <a:prstGeom prst="rect">
-            <a:avLst/>
-          </a:prstGeom>
-        </p:spPr>
-      </p:pic>
-      <p:pic>
-        <p:nvPicPr>
-          <p:cNvPr id="39" name="Picture 38">
-            <a:extLst>
-              <a:ext uri="{FF2B5EF4-FFF2-40B4-BE49-F238E27FC236}">
-                <a16:creationId xmlns:a16="http://schemas.microsoft.com/office/drawing/2014/main" id="{54BE2515-BBD0-448D-941A-FCEAD6D78246}"/>
-              </a:ext>
-            </a:extLst>
-          </p:cNvPr>
-          <p:cNvPicPr>
-            <a:picLocks noChangeAspect="1"/>
-          </p:cNvPicPr>
-          <p:nvPr/>
-        </p:nvPicPr>
-        <p:blipFill>
-          <a:blip r:embed="rId20"/>
-          <a:stretch>
-            <a:fillRect/>
-          </a:stretch>
-        </p:blipFill>
-        <p:spPr>
-          <a:xfrm>
-            <a:off x="28107683" y="7343559"/>
-            <a:ext cx="2888982" cy="2011969"/>
-          </a:xfrm>
-          <a:prstGeom prst="rect">
-            <a:avLst/>
-          </a:prstGeom>
-        </p:spPr>
-      </p:pic>
-      <p:pic>
-        <p:nvPicPr>
-          <p:cNvPr id="64" name="Picture 63">
-            <a:extLst>
-              <a:ext uri="{FF2B5EF4-FFF2-40B4-BE49-F238E27FC236}">
-                <a16:creationId xmlns:a16="http://schemas.microsoft.com/office/drawing/2014/main" id="{7B201EF6-4209-40FE-B409-886FF22392ED}"/>
-              </a:ext>
-            </a:extLst>
-          </p:cNvPr>
-          <p:cNvPicPr>
-            <a:picLocks noChangeAspect="1"/>
-          </p:cNvPicPr>
-          <p:nvPr/>
-        </p:nvPicPr>
-        <p:blipFill>
-          <a:blip r:embed="rId21"/>
-          <a:stretch>
-            <a:fillRect/>
-          </a:stretch>
-        </p:blipFill>
-        <p:spPr>
-          <a:xfrm>
-            <a:off x="36931690" y="10210244"/>
-            <a:ext cx="4821036" cy="3357508"/>
-          </a:xfrm>
-          <a:prstGeom prst="rect">
-            <a:avLst/>
-          </a:prstGeom>
-        </p:spPr>
-      </p:pic>
-      <p:pic>
-        <p:nvPicPr>
-          <p:cNvPr id="65" name="Picture 64">
-            <a:extLst>
-              <a:ext uri="{FF2B5EF4-FFF2-40B4-BE49-F238E27FC236}">
-                <a16:creationId xmlns:a16="http://schemas.microsoft.com/office/drawing/2014/main" id="{76CA2643-28A0-4001-8D74-35BADEF29C7F}"/>
-              </a:ext>
-            </a:extLst>
-          </p:cNvPr>
-          <p:cNvPicPr>
-            <a:picLocks noChangeAspect="1"/>
-          </p:cNvPicPr>
-          <p:nvPr/>
-        </p:nvPicPr>
-        <p:blipFill>
-          <a:blip r:embed="rId22"/>
-          <a:stretch>
-            <a:fillRect/>
-          </a:stretch>
-        </p:blipFill>
-        <p:spPr>
-          <a:xfrm>
-            <a:off x="36959578" y="14561542"/>
-            <a:ext cx="5034245" cy="3505993"/>
-          </a:xfrm>
-          <a:prstGeom prst="rect">
-            <a:avLst/>
-          </a:prstGeom>
-        </p:spPr>
-      </p:pic>
-      <p:pic>
-        <p:nvPicPr>
-          <p:cNvPr id="15" name="Picture 14">
-            <a:extLst>
-              <a:ext uri="{FF2B5EF4-FFF2-40B4-BE49-F238E27FC236}">
-                <a16:creationId xmlns:a16="http://schemas.microsoft.com/office/drawing/2014/main" id="{44FABB18-9B8C-4FE6-92C7-54F1B8072A68}"/>
-              </a:ext>
-            </a:extLst>
-          </p:cNvPr>
-          <p:cNvPicPr>
-            <a:picLocks noChangeAspect="1"/>
-          </p:cNvPicPr>
-          <p:nvPr/>
-        </p:nvPicPr>
-        <p:blipFill>
-          <a:blip r:embed="rId23"/>
-          <a:stretch>
-            <a:fillRect/>
-          </a:stretch>
-        </p:blipFill>
-        <p:spPr>
-          <a:xfrm>
-            <a:off x="36894246" y="5761306"/>
-            <a:ext cx="4697901" cy="3271752"/>
-          </a:xfrm>
-          <a:prstGeom prst="rect">
-            <a:avLst/>
-          </a:prstGeom>
-        </p:spPr>
-      </p:pic>
-      <p:pic>
-        <p:nvPicPr>
-          <p:cNvPr id="17" name="Picture 16">
-            <a:extLst>
-              <a:ext uri="{FF2B5EF4-FFF2-40B4-BE49-F238E27FC236}">
-                <a16:creationId xmlns:a16="http://schemas.microsoft.com/office/drawing/2014/main" id="{7521FC06-55D7-4034-A0C7-585A3F54A78A}"/>
-              </a:ext>
-            </a:extLst>
-          </p:cNvPr>
-          <p:cNvPicPr>
-            <a:picLocks noChangeAspect="1"/>
-          </p:cNvPicPr>
-          <p:nvPr/>
-        </p:nvPicPr>
-        <p:blipFill>
-          <a:blip r:embed="rId24"/>
-          <a:stretch>
-            <a:fillRect/>
-          </a:stretch>
-        </p:blipFill>
-        <p:spPr>
-          <a:xfrm>
-            <a:off x="31558978" y="14561542"/>
-            <a:ext cx="5157654" cy="3591937"/>
-          </a:xfrm>
-          <a:prstGeom prst="rect">
-            <a:avLst/>
-          </a:prstGeom>
-        </p:spPr>
-      </p:pic>
-      <p:pic>
-        <p:nvPicPr>
-          <p:cNvPr id="19" name="Picture 18">
-            <a:extLst>
-              <a:ext uri="{FF2B5EF4-FFF2-40B4-BE49-F238E27FC236}">
-                <a16:creationId xmlns:a16="http://schemas.microsoft.com/office/drawing/2014/main" id="{B590F362-197E-49EA-9B52-52034242A81A}"/>
-              </a:ext>
-            </a:extLst>
-          </p:cNvPr>
-          <p:cNvPicPr>
-            <a:picLocks noChangeAspect="1"/>
-          </p:cNvPicPr>
-          <p:nvPr/>
-        </p:nvPicPr>
-        <p:blipFill>
-          <a:blip r:embed="rId25"/>
-          <a:stretch>
-            <a:fillRect/>
-          </a:stretch>
-        </p:blipFill>
-        <p:spPr>
-          <a:xfrm>
-            <a:off x="26374402" y="14585701"/>
-            <a:ext cx="5034247" cy="3505993"/>
-          </a:xfrm>
-          <a:prstGeom prst="rect">
-            <a:avLst/>
-          </a:prstGeom>
-        </p:spPr>
-      </p:pic>
-      <p:pic>
-        <p:nvPicPr>
-          <p:cNvPr id="20" name="Picture 19">
-            <a:extLst>
-              <a:ext uri="{FF2B5EF4-FFF2-40B4-BE49-F238E27FC236}">
-                <a16:creationId xmlns:a16="http://schemas.microsoft.com/office/drawing/2014/main" id="{362ABD35-3B87-4EF1-B35C-1AB4CE07ABE8}"/>
-              </a:ext>
-            </a:extLst>
-          </p:cNvPr>
-          <p:cNvPicPr>
-            <a:picLocks noChangeAspect="1"/>
-          </p:cNvPicPr>
-          <p:nvPr/>
-        </p:nvPicPr>
-        <p:blipFill>
-          <a:blip r:embed="rId26"/>
-          <a:stretch>
-            <a:fillRect/>
-          </a:stretch>
-        </p:blipFill>
-        <p:spPr>
-          <a:xfrm>
-            <a:off x="31613777" y="5776570"/>
-            <a:ext cx="4697900" cy="3271751"/>
-          </a:xfrm>
-          <a:prstGeom prst="rect">
-            <a:avLst/>
-          </a:prstGeom>
-        </p:spPr>
-      </p:pic>
-      <p:pic>
-        <p:nvPicPr>
-          <p:cNvPr id="22" name="Picture 21">
-            <a:extLst>
-              <a:ext uri="{FF2B5EF4-FFF2-40B4-BE49-F238E27FC236}">
-                <a16:creationId xmlns:a16="http://schemas.microsoft.com/office/drawing/2014/main" id="{1D2A00A2-3934-40C3-9DEC-B66EE00D7B20}"/>
-              </a:ext>
-            </a:extLst>
-          </p:cNvPr>
-          <p:cNvPicPr>
-            <a:picLocks noChangeAspect="1"/>
-          </p:cNvPicPr>
-          <p:nvPr/>
-        </p:nvPicPr>
-        <p:blipFill>
-          <a:blip r:embed="rId27"/>
-          <a:stretch>
-            <a:fillRect/>
-          </a:stretch>
-        </p:blipFill>
-        <p:spPr>
-          <a:xfrm>
-            <a:off x="25942354" y="18377966"/>
-            <a:ext cx="4730917" cy="3294745"/>
           </a:xfrm>
           <a:prstGeom prst="rect">
             <a:avLst/>
@@ -7736,14 +7455,14 @@
           <p:nvPr/>
         </p:nvPicPr>
         <p:blipFill>
-          <a:blip r:embed="rId28"/>
+          <a:blip r:embed="rId18"/>
           <a:stretch>
             <a:fillRect/>
           </a:stretch>
         </p:blipFill>
         <p:spPr>
           <a:xfrm>
-            <a:off x="33791226" y="18377966"/>
+            <a:off x="36732155" y="9671482"/>
             <a:ext cx="4697901" cy="3271752"/>
           </a:xfrm>
           <a:prstGeom prst="rect">
@@ -7766,14 +7485,14 @@
           <p:nvPr/>
         </p:nvPicPr>
         <p:blipFill>
-          <a:blip r:embed="rId29"/>
+          <a:blip r:embed="rId19"/>
           <a:stretch>
             <a:fillRect/>
           </a:stretch>
         </p:blipFill>
         <p:spPr>
           <a:xfrm>
-            <a:off x="23116959" y="12156497"/>
+            <a:off x="22918018" y="15312291"/>
             <a:ext cx="2851054" cy="1985555"/>
           </a:xfrm>
           <a:prstGeom prst="rect">
@@ -7783,10 +7502,10 @@
       </p:pic>
       <p:pic>
         <p:nvPicPr>
-          <p:cNvPr id="18" name="Picture 17">
+          <p:cNvPr id="97" name="Picture 96">
             <a:extLst>
               <a:ext uri="{FF2B5EF4-FFF2-40B4-BE49-F238E27FC236}">
-                <a16:creationId xmlns:a16="http://schemas.microsoft.com/office/drawing/2014/main" id="{FCCC45B3-BA37-4806-841A-BA84DF9D032E}"/>
+                <a16:creationId xmlns:a16="http://schemas.microsoft.com/office/drawing/2014/main" id="{08BBF06E-8A3F-4475-B545-21EB865A04AF}"/>
               </a:ext>
             </a:extLst>
           </p:cNvPr>
@@ -7795,58 +7514,250 @@
           </p:cNvPicPr>
           <p:nvPr/>
         </p:nvPicPr>
-        <p:blipFill>
-          <a:blip r:embed="rId30"/>
-          <a:stretch>
-            <a:fillRect/>
-          </a:stretch>
+        <p:blipFill rotWithShape="1">
+          <a:blip r:embed="rId12"/>
+          <a:srcRect l="25444" t="16353" r="28628" b="25271"/>
+          <a:stretch/>
         </p:blipFill>
         <p:spPr>
           <a:xfrm>
-            <a:off x="26385046" y="10210244"/>
-            <a:ext cx="4741884" cy="3302383"/>
+            <a:off x="10564649" y="25223163"/>
+            <a:ext cx="4431369" cy="3509637"/>
           </a:xfrm>
           <a:prstGeom prst="rect">
             <a:avLst/>
           </a:prstGeom>
         </p:spPr>
       </p:pic>
-      <p:pic>
-        <p:nvPicPr>
-          <p:cNvPr id="16" name="Picture 15">
+      <p:cxnSp>
+        <p:nvCxnSpPr>
+          <p:cNvPr id="14" name="Straight Connector 13">
             <a:extLst>
               <a:ext uri="{FF2B5EF4-FFF2-40B4-BE49-F238E27FC236}">
-                <a16:creationId xmlns:a16="http://schemas.microsoft.com/office/drawing/2014/main" id="{8B9D06DE-3CAA-46B3-A704-700427AE8972}"/>
+                <a16:creationId xmlns:a16="http://schemas.microsoft.com/office/drawing/2014/main" id="{95E631C2-F9CC-4158-95B7-EDAC84AE383F}"/>
               </a:ext>
             </a:extLst>
           </p:cNvPr>
-          <p:cNvPicPr>
-            <a:picLocks noChangeAspect="1"/>
-          </p:cNvPicPr>
+          <p:cNvCxnSpPr/>
           <p:nvPr/>
-        </p:nvPicPr>
-        <p:blipFill>
-          <a:blip r:embed="rId31"/>
-          <a:stretch>
-            <a:fillRect/>
-          </a:stretch>
-        </p:blipFill>
-        <p:spPr>
-          <a:xfrm>
-            <a:off x="31491015" y="10210244"/>
-            <a:ext cx="4964507" cy="3285500"/>
+        </p:nvCxnSpPr>
+        <p:spPr>
+          <a:xfrm flipH="1" flipV="1">
+            <a:off x="27756465" y="18464981"/>
+            <a:ext cx="14571" cy="16567"/>
+          </a:xfrm>
+          <a:prstGeom prst="line">
+            <a:avLst/>
+          </a:prstGeom>
+        </p:spPr>
+        <p:style>
+          <a:lnRef idx="1">
+            <a:schemeClr val="accent1"/>
+          </a:lnRef>
+          <a:fillRef idx="0">
+            <a:schemeClr val="accent1"/>
+          </a:fillRef>
+          <a:effectRef idx="0">
+            <a:schemeClr val="accent1"/>
+          </a:effectRef>
+          <a:fontRef idx="minor">
+            <a:schemeClr val="tx1"/>
+          </a:fontRef>
+        </p:style>
+      </p:cxnSp>
+      <p:sp>
+        <p:nvSpPr>
+          <p:cNvPr id="108" name="Textfeld 44">
+            <a:extLst>
+              <a:ext uri="{FF2B5EF4-FFF2-40B4-BE49-F238E27FC236}">
+                <a16:creationId xmlns:a16="http://schemas.microsoft.com/office/drawing/2014/main" id="{538252AA-BC42-424C-B599-75A5842F9788}"/>
+              </a:ext>
+            </a:extLst>
+          </p:cNvPr>
+          <p:cNvSpPr txBox="1"/>
+          <p:nvPr/>
+        </p:nvSpPr>
+        <p:spPr>
+          <a:xfrm>
+            <a:off x="36533581" y="12862648"/>
+            <a:ext cx="4958592" cy="4185761"/>
           </a:xfrm>
           <a:prstGeom prst="rect">
             <a:avLst/>
           </a:prstGeom>
-        </p:spPr>
-      </p:pic>
+          <a:noFill/>
+        </p:spPr>
+        <p:txBody>
+          <a:bodyPr wrap="square" rtlCol="0">
+            <a:spAutoFit/>
+          </a:bodyPr>
+          <a:lstStyle/>
+          <a:p>
+            <a:pPr algn="ctr">
+              <a:spcAft>
+                <a:spcPts val="600"/>
+              </a:spcAft>
+            </a:pPr>
+            <a:r>
+              <a:rPr lang="en-US" sz="3200" noProof="1">
+                <a:latin typeface="+mj-lt"/>
+                <a:cs typeface="Avenir Heavy"/>
+              </a:rPr>
+              <a:t>Catch trials </a:t>
+            </a:r>
+            <a:endParaRPr lang="en-US" sz="3600" noProof="1">
+              <a:latin typeface="+mj-lt"/>
+              <a:cs typeface="Avenir Heavy"/>
+            </a:endParaRPr>
+          </a:p>
+          <a:p>
+            <a:pPr>
+              <a:spcAft>
+                <a:spcPts val="600"/>
+              </a:spcAft>
+            </a:pPr>
+            <a:r>
+              <a:rPr lang="en-US" sz="2800" noProof="1">
+                <a:latin typeface="+mj-lt"/>
+                <a:cs typeface="Avenir Heavy"/>
+              </a:rPr>
+              <a:t>-3 trials where the possible reward of the gamble matched the certain amount (participants should never gamble)</a:t>
+            </a:r>
+          </a:p>
+          <a:p>
+            <a:pPr>
+              <a:spcAft>
+                <a:spcPts val="600"/>
+              </a:spcAft>
+            </a:pPr>
+            <a:r>
+              <a:rPr lang="en-US" sz="2800" noProof="1">
+                <a:latin typeface="+mj-lt"/>
+                <a:cs typeface="Avenir Heavy"/>
+              </a:rPr>
+              <a:t>-3 trials where the possible loss of the gamble matched the certain amount (participants should always gamble)</a:t>
+            </a:r>
+          </a:p>
+        </p:txBody>
+      </p:sp>
+      <p:sp>
+        <p:nvSpPr>
+          <p:cNvPr id="114" name="Textfeld 44">
+            <a:extLst>
+              <a:ext uri="{FF2B5EF4-FFF2-40B4-BE49-F238E27FC236}">
+                <a16:creationId xmlns:a16="http://schemas.microsoft.com/office/drawing/2014/main" id="{DFDD1EA4-E45D-463C-8C55-CFF68282B81A}"/>
+              </a:ext>
+            </a:extLst>
+          </p:cNvPr>
+          <p:cNvSpPr txBox="1"/>
+          <p:nvPr/>
+        </p:nvSpPr>
+        <p:spPr>
+          <a:xfrm>
+            <a:off x="36498192" y="17406422"/>
+            <a:ext cx="5120695" cy="4478149"/>
+          </a:xfrm>
+          <a:prstGeom prst="rect">
+            <a:avLst/>
+          </a:prstGeom>
+          <a:noFill/>
+        </p:spPr>
+        <p:txBody>
+          <a:bodyPr wrap="square" rtlCol="0">
+            <a:spAutoFit/>
+          </a:bodyPr>
+          <a:lstStyle/>
+          <a:p>
+            <a:pPr algn="ctr">
+              <a:spcAft>
+                <a:spcPts val="600"/>
+              </a:spcAft>
+            </a:pPr>
+            <a:r>
+              <a:rPr lang="en-US" sz="3200" noProof="1">
+                <a:latin typeface="+mj-lt"/>
+                <a:cs typeface="Avenir Heavy"/>
+              </a:rPr>
+              <a:t>Future versions</a:t>
+            </a:r>
+          </a:p>
+          <a:p>
+            <a:pPr>
+              <a:spcAft>
+                <a:spcPts val="600"/>
+              </a:spcAft>
+            </a:pPr>
+            <a:r>
+              <a:rPr lang="en-US" sz="2800" noProof="1">
+                <a:latin typeface="+mj-lt"/>
+                <a:cs typeface="Avenir Heavy"/>
+              </a:rPr>
+              <a:t>1) Instrumental gamble yes/no required</a:t>
+            </a:r>
+          </a:p>
+          <a:p>
+            <a:pPr>
+              <a:spcAft>
+                <a:spcPts val="600"/>
+              </a:spcAft>
+            </a:pPr>
+            <a:r>
+              <a:rPr lang="en-US" sz="2800" noProof="1">
+                <a:latin typeface="+mj-lt"/>
+                <a:cs typeface="Avenir Heavy"/>
+              </a:rPr>
+              <a:t>2) A key press is required to ignore the gamble</a:t>
+            </a:r>
+          </a:p>
+          <a:p>
+            <a:pPr>
+              <a:spcAft>
+                <a:spcPts val="600"/>
+              </a:spcAft>
+            </a:pPr>
+            <a:r>
+              <a:rPr lang="en-US" sz="2800" noProof="1">
+                <a:latin typeface="+mj-lt"/>
+                <a:cs typeface="Avenir Heavy"/>
+              </a:rPr>
+              <a:t>3) Changing length of progress bar</a:t>
+            </a:r>
+          </a:p>
+          <a:p>
+            <a:pPr>
+              <a:spcAft>
+                <a:spcPts val="600"/>
+              </a:spcAft>
+            </a:pPr>
+            <a:r>
+              <a:rPr lang="en-US" sz="2800" noProof="1">
+                <a:latin typeface="+mj-lt"/>
+                <a:cs typeface="Avenir Heavy"/>
+              </a:rPr>
+              <a:t>4) EMG, EEG, and DA agonists</a:t>
+            </a:r>
+          </a:p>
+          <a:p>
+            <a:pPr marL="457200" indent="-457200">
+              <a:spcAft>
+                <a:spcPts val="600"/>
+              </a:spcAft>
+              <a:buFontTx/>
+              <a:buChar char="-"/>
+            </a:pPr>
+            <a:endParaRPr lang="en-US" sz="3200" noProof="1">
+              <a:latin typeface="+mj-lt"/>
+              <a:cs typeface="Avenir Heavy"/>
+            </a:endParaRPr>
+          </a:p>
+        </p:txBody>
+      </p:sp>
       <p:grpSp>
         <p:nvGrpSpPr>
-          <p:cNvPr id="38" name="Group 37">
+          <p:cNvPr id="54" name="Group 53">
             <a:extLst>
               <a:ext uri="{FF2B5EF4-FFF2-40B4-BE49-F238E27FC236}">
-                <a16:creationId xmlns:a16="http://schemas.microsoft.com/office/drawing/2014/main" id="{8D937AD8-14A8-434C-93DD-628700CA971D}"/>
+                <a16:creationId xmlns:a16="http://schemas.microsoft.com/office/drawing/2014/main" id="{25DE5295-E7D0-4DFB-9C83-E82F256F1DD7}"/>
               </a:ext>
             </a:extLst>
           </p:cNvPr>
@@ -7855,18 +7766,1340 @@
         </p:nvGrpSpPr>
         <p:grpSpPr>
           <a:xfrm>
-            <a:off x="23062034" y="10097046"/>
-            <a:ext cx="2809234" cy="2057508"/>
-            <a:chOff x="23062034" y="10033790"/>
-            <a:chExt cx="2809234" cy="2057508"/>
+            <a:off x="22655264" y="5996764"/>
+            <a:ext cx="5231306" cy="3677848"/>
+            <a:chOff x="22837584" y="5838098"/>
+            <a:chExt cx="4770574" cy="3322365"/>
           </a:xfrm>
         </p:grpSpPr>
         <p:pic>
           <p:nvPicPr>
-            <p:cNvPr id="113" name="Picture 112">
+            <p:cNvPr id="66" name="Picture 65">
               <a:extLst>
                 <a:ext uri="{FF2B5EF4-FFF2-40B4-BE49-F238E27FC236}">
-                  <a16:creationId xmlns:a16="http://schemas.microsoft.com/office/drawing/2014/main" id="{1002EB86-063F-44A1-BD14-B441B5F704C8}"/>
+                  <a16:creationId xmlns:a16="http://schemas.microsoft.com/office/drawing/2014/main" id="{501FE4B7-E383-4C9F-9E66-5280F723ADDA}"/>
+                </a:ext>
+              </a:extLst>
+            </p:cNvPr>
+            <p:cNvPicPr>
+              <a:picLocks noChangeAspect="1"/>
+            </p:cNvPicPr>
+            <p:nvPr/>
+          </p:nvPicPr>
+          <p:blipFill>
+            <a:blip r:embed="rId20"/>
+            <a:stretch>
+              <a:fillRect/>
+            </a:stretch>
+          </p:blipFill>
+          <p:spPr>
+            <a:xfrm>
+              <a:off x="22837584" y="5838098"/>
+              <a:ext cx="4770574" cy="3322365"/>
+            </a:xfrm>
+            <a:prstGeom prst="rect">
+              <a:avLst/>
+            </a:prstGeom>
+          </p:spPr>
+        </p:pic>
+        <p:sp>
+          <p:nvSpPr>
+            <p:cNvPr id="50" name="TextBox 49">
+              <a:extLst>
+                <a:ext uri="{FF2B5EF4-FFF2-40B4-BE49-F238E27FC236}">
+                  <a16:creationId xmlns:a16="http://schemas.microsoft.com/office/drawing/2014/main" id="{91D80CCB-B8E5-4FDE-8517-927B2602472C}"/>
+                </a:ext>
+              </a:extLst>
+            </p:cNvPr>
+            <p:cNvSpPr txBox="1"/>
+            <p:nvPr/>
+          </p:nvSpPr>
+          <p:spPr>
+            <a:xfrm>
+              <a:off x="23913953" y="6003165"/>
+              <a:ext cx="2823530" cy="353943"/>
+            </a:xfrm>
+            <a:prstGeom prst="rect">
+              <a:avLst/>
+            </a:prstGeom>
+            <a:solidFill>
+              <a:schemeClr val="bg1"/>
+            </a:solidFill>
+          </p:spPr>
+          <p:txBody>
+            <a:bodyPr wrap="none" rtlCol="0">
+              <a:spAutoFit/>
+            </a:bodyPr>
+            <a:lstStyle/>
+            <a:p>
+              <a:r>
+                <a:rPr lang="en-US" sz="1700" b="1" dirty="0">
+                  <a:latin typeface="Avenir Heavy"/>
+                </a:rPr>
+                <a:t>When did gambles interrupt?</a:t>
+              </a:r>
+            </a:p>
+          </p:txBody>
+        </p:sp>
+      </p:grpSp>
+      <p:grpSp>
+        <p:nvGrpSpPr>
+          <p:cNvPr id="51" name="Group 50">
+            <a:extLst>
+              <a:ext uri="{FF2B5EF4-FFF2-40B4-BE49-F238E27FC236}">
+                <a16:creationId xmlns:a16="http://schemas.microsoft.com/office/drawing/2014/main" id="{E21D4D4B-27DF-424C-8786-9169073E22C8}"/>
+              </a:ext>
+            </a:extLst>
+          </p:cNvPr>
+          <p:cNvGrpSpPr/>
+          <p:nvPr/>
+        </p:nvGrpSpPr>
+        <p:grpSpPr>
+          <a:xfrm>
+            <a:off x="27742554" y="5584722"/>
+            <a:ext cx="2957084" cy="2228606"/>
+            <a:chOff x="25527063" y="3471552"/>
+            <a:chExt cx="2957084" cy="2228606"/>
+          </a:xfrm>
+        </p:grpSpPr>
+        <p:pic>
+          <p:nvPicPr>
+            <p:cNvPr id="27" name="Picture 26">
+              <a:extLst>
+                <a:ext uri="{FF2B5EF4-FFF2-40B4-BE49-F238E27FC236}">
+                  <a16:creationId xmlns:a16="http://schemas.microsoft.com/office/drawing/2014/main" id="{8D533106-5685-467E-B890-6ACA0AFA661B}"/>
+                </a:ext>
+              </a:extLst>
+            </p:cNvPr>
+            <p:cNvPicPr>
+              <a:picLocks noChangeAspect="1"/>
+            </p:cNvPicPr>
+            <p:nvPr/>
+          </p:nvPicPr>
+          <p:blipFill>
+            <a:blip r:embed="rId21"/>
+            <a:stretch>
+              <a:fillRect/>
+            </a:stretch>
+          </p:blipFill>
+          <p:spPr>
+            <a:xfrm>
+              <a:off x="25527063" y="3565548"/>
+              <a:ext cx="2957084" cy="2134610"/>
+            </a:xfrm>
+            <a:prstGeom prst="rect">
+              <a:avLst/>
+            </a:prstGeom>
+          </p:spPr>
+        </p:pic>
+        <p:sp>
+          <p:nvSpPr>
+            <p:cNvPr id="117" name="TextBox 116">
+              <a:extLst>
+                <a:ext uri="{FF2B5EF4-FFF2-40B4-BE49-F238E27FC236}">
+                  <a16:creationId xmlns:a16="http://schemas.microsoft.com/office/drawing/2014/main" id="{AF61DCB6-BD2B-4A6A-A5A4-9D12D974B910}"/>
+                </a:ext>
+              </a:extLst>
+            </p:cNvPr>
+            <p:cNvSpPr txBox="1"/>
+            <p:nvPr/>
+          </p:nvSpPr>
+          <p:spPr>
+            <a:xfrm>
+              <a:off x="25788765" y="3471552"/>
+              <a:ext cx="2433680" cy="353943"/>
+            </a:xfrm>
+            <a:prstGeom prst="rect">
+              <a:avLst/>
+            </a:prstGeom>
+            <a:solidFill>
+              <a:schemeClr val="bg1"/>
+            </a:solidFill>
+          </p:spPr>
+          <p:txBody>
+            <a:bodyPr wrap="none" rtlCol="0">
+              <a:spAutoFit/>
+            </a:bodyPr>
+            <a:lstStyle/>
+            <a:p>
+              <a:r>
+                <a:rPr lang="en-US" sz="1700" b="1" dirty="0">
+                  <a:latin typeface="Avenir Heavy"/>
+                </a:rPr>
+                <a:t>EV on gamble propensity</a:t>
+              </a:r>
+            </a:p>
+          </p:txBody>
+        </p:sp>
+      </p:grpSp>
+      <p:grpSp>
+        <p:nvGrpSpPr>
+          <p:cNvPr id="52" name="Group 51">
+            <a:extLst>
+              <a:ext uri="{FF2B5EF4-FFF2-40B4-BE49-F238E27FC236}">
+                <a16:creationId xmlns:a16="http://schemas.microsoft.com/office/drawing/2014/main" id="{D800A187-9671-48C0-837E-80CFFFCD2086}"/>
+              </a:ext>
+            </a:extLst>
+          </p:cNvPr>
+          <p:cNvGrpSpPr/>
+          <p:nvPr/>
+        </p:nvGrpSpPr>
+        <p:grpSpPr>
+          <a:xfrm>
+            <a:off x="27742554" y="7644051"/>
+            <a:ext cx="2925168" cy="1948939"/>
+            <a:chOff x="28071497" y="7411800"/>
+            <a:chExt cx="2925168" cy="1948939"/>
+          </a:xfrm>
+        </p:grpSpPr>
+        <p:pic>
+          <p:nvPicPr>
+            <p:cNvPr id="48" name="Picture 47">
+              <a:extLst>
+                <a:ext uri="{FF2B5EF4-FFF2-40B4-BE49-F238E27FC236}">
+                  <a16:creationId xmlns:a16="http://schemas.microsoft.com/office/drawing/2014/main" id="{E8BF78C7-82E3-4EDC-AFB0-A594465379EE}"/>
+                </a:ext>
+              </a:extLst>
+            </p:cNvPr>
+            <p:cNvPicPr>
+              <a:picLocks noChangeAspect="1"/>
+            </p:cNvPicPr>
+            <p:nvPr/>
+          </p:nvPicPr>
+          <p:blipFill>
+            <a:blip r:embed="rId22"/>
+            <a:stretch>
+              <a:fillRect/>
+            </a:stretch>
+          </p:blipFill>
+          <p:spPr>
+            <a:xfrm>
+              <a:off x="28071497" y="7483590"/>
+              <a:ext cx="2925168" cy="1877149"/>
+            </a:xfrm>
+            <a:prstGeom prst="rect">
+              <a:avLst/>
+            </a:prstGeom>
+          </p:spPr>
+        </p:pic>
+        <p:sp>
+          <p:nvSpPr>
+            <p:cNvPr id="118" name="TextBox 117">
+              <a:extLst>
+                <a:ext uri="{FF2B5EF4-FFF2-40B4-BE49-F238E27FC236}">
+                  <a16:creationId xmlns:a16="http://schemas.microsoft.com/office/drawing/2014/main" id="{D9D702CE-E948-4658-B77A-231DF5E23867}"/>
+                </a:ext>
+              </a:extLst>
+            </p:cNvPr>
+            <p:cNvSpPr txBox="1"/>
+            <p:nvPr/>
+          </p:nvSpPr>
+          <p:spPr>
+            <a:xfrm>
+              <a:off x="28212865" y="7411800"/>
+              <a:ext cx="2678618" cy="338554"/>
+            </a:xfrm>
+            <a:prstGeom prst="rect">
+              <a:avLst/>
+            </a:prstGeom>
+            <a:solidFill>
+              <a:schemeClr val="bg1"/>
+            </a:solidFill>
+          </p:spPr>
+          <p:txBody>
+            <a:bodyPr wrap="none" rtlCol="0">
+              <a:spAutoFit/>
+            </a:bodyPr>
+            <a:lstStyle/>
+            <a:p>
+              <a:r>
+                <a:rPr lang="en-US" sz="1600" b="1" dirty="0">
+                  <a:latin typeface="Avenir Heavy"/>
+                </a:rPr>
+                <a:t>EV sensitivity; all participants</a:t>
+              </a:r>
+            </a:p>
+          </p:txBody>
+        </p:sp>
+      </p:grpSp>
+      <p:grpSp>
+        <p:nvGrpSpPr>
+          <p:cNvPr id="56" name="Group 55">
+            <a:extLst>
+              <a:ext uri="{FF2B5EF4-FFF2-40B4-BE49-F238E27FC236}">
+                <a16:creationId xmlns:a16="http://schemas.microsoft.com/office/drawing/2014/main" id="{F591A6A0-3955-483F-8E6F-C2A04E93E8DC}"/>
+              </a:ext>
+            </a:extLst>
+          </p:cNvPr>
+          <p:cNvGrpSpPr/>
+          <p:nvPr/>
+        </p:nvGrpSpPr>
+        <p:grpSpPr>
+          <a:xfrm>
+            <a:off x="31084970" y="6103201"/>
+            <a:ext cx="5100140" cy="3393939"/>
+            <a:chOff x="31613777" y="5776570"/>
+            <a:chExt cx="4916525" cy="3271751"/>
+          </a:xfrm>
+        </p:grpSpPr>
+        <p:pic>
+          <p:nvPicPr>
+            <p:cNvPr id="20" name="Picture 19">
+              <a:extLst>
+                <a:ext uri="{FF2B5EF4-FFF2-40B4-BE49-F238E27FC236}">
+                  <a16:creationId xmlns:a16="http://schemas.microsoft.com/office/drawing/2014/main" id="{362ABD35-3B87-4EF1-B35C-1AB4CE07ABE8}"/>
+                </a:ext>
+              </a:extLst>
+            </p:cNvPr>
+            <p:cNvPicPr>
+              <a:picLocks noChangeAspect="1"/>
+            </p:cNvPicPr>
+            <p:nvPr/>
+          </p:nvPicPr>
+          <p:blipFill>
+            <a:blip r:embed="rId23"/>
+            <a:stretch>
+              <a:fillRect/>
+            </a:stretch>
+          </p:blipFill>
+          <p:spPr>
+            <a:xfrm>
+              <a:off x="31613777" y="5776570"/>
+              <a:ext cx="4697900" cy="3271751"/>
+            </a:xfrm>
+            <a:prstGeom prst="rect">
+              <a:avLst/>
+            </a:prstGeom>
+          </p:spPr>
+        </p:pic>
+        <p:sp>
+          <p:nvSpPr>
+            <p:cNvPr id="120" name="TextBox 119">
+              <a:extLst>
+                <a:ext uri="{FF2B5EF4-FFF2-40B4-BE49-F238E27FC236}">
+                  <a16:creationId xmlns:a16="http://schemas.microsoft.com/office/drawing/2014/main" id="{299E3ED5-0BB0-42B5-88E3-1D02FFC987DA}"/>
+                </a:ext>
+              </a:extLst>
+            </p:cNvPr>
+            <p:cNvSpPr txBox="1"/>
+            <p:nvPr/>
+          </p:nvSpPr>
+          <p:spPr>
+            <a:xfrm>
+              <a:off x="32001305" y="5859133"/>
+              <a:ext cx="4528997" cy="353943"/>
+            </a:xfrm>
+            <a:prstGeom prst="rect">
+              <a:avLst/>
+            </a:prstGeom>
+            <a:solidFill>
+              <a:schemeClr val="bg1"/>
+            </a:solidFill>
+          </p:spPr>
+          <p:txBody>
+            <a:bodyPr wrap="none" rtlCol="0">
+              <a:spAutoFit/>
+            </a:bodyPr>
+            <a:lstStyle/>
+            <a:p>
+              <a:r>
+                <a:rPr lang="en-US" sz="1700" b="1" dirty="0">
+                  <a:latin typeface="Avenir Heavy"/>
+                </a:rPr>
+                <a:t>Gamble propensity vs. gamble interruption time</a:t>
+              </a:r>
+            </a:p>
+          </p:txBody>
+        </p:sp>
+      </p:grpSp>
+      <p:grpSp>
+        <p:nvGrpSpPr>
+          <p:cNvPr id="57" name="Group 56">
+            <a:extLst>
+              <a:ext uri="{FF2B5EF4-FFF2-40B4-BE49-F238E27FC236}">
+                <a16:creationId xmlns:a16="http://schemas.microsoft.com/office/drawing/2014/main" id="{1CE52560-A095-4D1B-8F6A-C03C12417F77}"/>
+              </a:ext>
+            </a:extLst>
+          </p:cNvPr>
+          <p:cNvGrpSpPr/>
+          <p:nvPr/>
+        </p:nvGrpSpPr>
+        <p:grpSpPr>
+          <a:xfrm>
+            <a:off x="36311677" y="6077640"/>
+            <a:ext cx="5307210" cy="3443342"/>
+            <a:chOff x="36426678" y="5704558"/>
+            <a:chExt cx="4730917" cy="3294746"/>
+          </a:xfrm>
+        </p:grpSpPr>
+        <p:pic>
+          <p:nvPicPr>
+            <p:cNvPr id="15" name="Picture 14">
+              <a:extLst>
+                <a:ext uri="{FF2B5EF4-FFF2-40B4-BE49-F238E27FC236}">
+                  <a16:creationId xmlns:a16="http://schemas.microsoft.com/office/drawing/2014/main" id="{44FABB18-9B8C-4FE6-92C7-54F1B8072A68}"/>
+                </a:ext>
+              </a:extLst>
+            </p:cNvPr>
+            <p:cNvPicPr>
+              <a:picLocks noChangeAspect="1"/>
+            </p:cNvPicPr>
+            <p:nvPr/>
+          </p:nvPicPr>
+          <p:blipFill>
+            <a:blip r:embed="rId24"/>
+            <a:stretch>
+              <a:fillRect/>
+            </a:stretch>
+          </p:blipFill>
+          <p:spPr>
+            <a:xfrm>
+              <a:off x="36426678" y="5704558"/>
+              <a:ext cx="4730917" cy="3294746"/>
+            </a:xfrm>
+            <a:prstGeom prst="rect">
+              <a:avLst/>
+            </a:prstGeom>
+          </p:spPr>
+        </p:pic>
+        <p:sp>
+          <p:nvSpPr>
+            <p:cNvPr id="121" name="TextBox 120">
+              <a:extLst>
+                <a:ext uri="{FF2B5EF4-FFF2-40B4-BE49-F238E27FC236}">
+                  <a16:creationId xmlns:a16="http://schemas.microsoft.com/office/drawing/2014/main" id="{81D3F773-AE4C-43A4-A803-981C57983A19}"/>
+                </a:ext>
+              </a:extLst>
+            </p:cNvPr>
+            <p:cNvSpPr txBox="1"/>
+            <p:nvPr/>
+          </p:nvSpPr>
+          <p:spPr>
+            <a:xfrm>
+              <a:off x="37020266" y="5809652"/>
+              <a:ext cx="4094069" cy="353943"/>
+            </a:xfrm>
+            <a:prstGeom prst="rect">
+              <a:avLst/>
+            </a:prstGeom>
+            <a:solidFill>
+              <a:schemeClr val="bg1"/>
+            </a:solidFill>
+          </p:spPr>
+          <p:txBody>
+            <a:bodyPr wrap="none" rtlCol="0">
+              <a:spAutoFit/>
+            </a:bodyPr>
+            <a:lstStyle/>
+            <a:p>
+              <a:r>
+                <a:rPr lang="en-US" sz="1700" b="1" dirty="0">
+                  <a:latin typeface="Avenir Heavy"/>
+                </a:rPr>
+                <a:t>Reaction Time vs. gamble interruption time</a:t>
+              </a:r>
+            </a:p>
+          </p:txBody>
+        </p:sp>
+      </p:grpSp>
+      <p:grpSp>
+        <p:nvGrpSpPr>
+          <p:cNvPr id="60" name="Group 59">
+            <a:extLst>
+              <a:ext uri="{FF2B5EF4-FFF2-40B4-BE49-F238E27FC236}">
+                <a16:creationId xmlns:a16="http://schemas.microsoft.com/office/drawing/2014/main" id="{DE84C2FF-CE15-42F7-B9DF-4755C5511C0D}"/>
+              </a:ext>
+            </a:extLst>
+          </p:cNvPr>
+          <p:cNvGrpSpPr/>
+          <p:nvPr/>
+        </p:nvGrpSpPr>
+        <p:grpSpPr>
+          <a:xfrm>
+            <a:off x="22752365" y="9671482"/>
+            <a:ext cx="4486133" cy="3056434"/>
+            <a:chOff x="22645278" y="9596223"/>
+            <a:chExt cx="4486133" cy="3056434"/>
+          </a:xfrm>
+        </p:grpSpPr>
+        <p:pic>
+          <p:nvPicPr>
+            <p:cNvPr id="65" name="Picture 64">
+              <a:extLst>
+                <a:ext uri="{FF2B5EF4-FFF2-40B4-BE49-F238E27FC236}">
+                  <a16:creationId xmlns:a16="http://schemas.microsoft.com/office/drawing/2014/main" id="{76CA2643-28A0-4001-8D74-35BADEF29C7F}"/>
+                </a:ext>
+              </a:extLst>
+            </p:cNvPr>
+            <p:cNvPicPr>
+              <a:picLocks noChangeAspect="1"/>
+            </p:cNvPicPr>
+            <p:nvPr/>
+          </p:nvPicPr>
+          <p:blipFill>
+            <a:blip r:embed="rId25"/>
+            <a:stretch>
+              <a:fillRect/>
+            </a:stretch>
+          </p:blipFill>
+          <p:spPr>
+            <a:xfrm>
+              <a:off x="22645278" y="9596223"/>
+              <a:ext cx="4388725" cy="3056434"/>
+            </a:xfrm>
+            <a:prstGeom prst="rect">
+              <a:avLst/>
+            </a:prstGeom>
+          </p:spPr>
+        </p:pic>
+        <p:sp>
+          <p:nvSpPr>
+            <p:cNvPr id="123" name="TextBox 122">
+              <a:extLst>
+                <a:ext uri="{FF2B5EF4-FFF2-40B4-BE49-F238E27FC236}">
+                  <a16:creationId xmlns:a16="http://schemas.microsoft.com/office/drawing/2014/main" id="{824B5E00-9987-4D3E-9B9B-548FD1071151}"/>
+                </a:ext>
+              </a:extLst>
+            </p:cNvPr>
+            <p:cNvSpPr txBox="1"/>
+            <p:nvPr/>
+          </p:nvSpPr>
+          <p:spPr>
+            <a:xfrm>
+              <a:off x="22700583" y="9623448"/>
+              <a:ext cx="4430828" cy="353943"/>
+            </a:xfrm>
+            <a:prstGeom prst="rect">
+              <a:avLst/>
+            </a:prstGeom>
+            <a:solidFill>
+              <a:schemeClr val="bg1"/>
+            </a:solidFill>
+          </p:spPr>
+          <p:txBody>
+            <a:bodyPr wrap="none" rtlCol="0">
+              <a:spAutoFit/>
+            </a:bodyPr>
+            <a:lstStyle/>
+            <a:p>
+              <a:r>
+                <a:rPr lang="en-US" sz="1700" b="1" dirty="0">
+                  <a:latin typeface="Avenir Heavy"/>
+                </a:rPr>
+                <a:t>Reaction times when accepting certain amount</a:t>
+              </a:r>
+            </a:p>
+          </p:txBody>
+        </p:sp>
+      </p:grpSp>
+      <p:grpSp>
+        <p:nvGrpSpPr>
+          <p:cNvPr id="61" name="Group 60">
+            <a:extLst>
+              <a:ext uri="{FF2B5EF4-FFF2-40B4-BE49-F238E27FC236}">
+                <a16:creationId xmlns:a16="http://schemas.microsoft.com/office/drawing/2014/main" id="{1A8C1811-E517-4A2C-B8B1-B8B19009A3AA}"/>
+              </a:ext>
+            </a:extLst>
+          </p:cNvPr>
+          <p:cNvGrpSpPr/>
+          <p:nvPr/>
+        </p:nvGrpSpPr>
+        <p:grpSpPr>
+          <a:xfrm>
+            <a:off x="27283876" y="9638875"/>
+            <a:ext cx="4482366" cy="3121648"/>
+            <a:chOff x="27131411" y="9521160"/>
+            <a:chExt cx="4482366" cy="3121648"/>
+          </a:xfrm>
+        </p:grpSpPr>
+        <p:pic>
+          <p:nvPicPr>
+            <p:cNvPr id="64" name="Picture 63">
+              <a:extLst>
+                <a:ext uri="{FF2B5EF4-FFF2-40B4-BE49-F238E27FC236}">
+                  <a16:creationId xmlns:a16="http://schemas.microsoft.com/office/drawing/2014/main" id="{7B201EF6-4209-40FE-B409-886FF22392ED}"/>
+                </a:ext>
+              </a:extLst>
+            </p:cNvPr>
+            <p:cNvPicPr>
+              <a:picLocks noChangeAspect="1"/>
+            </p:cNvPicPr>
+            <p:nvPr/>
+          </p:nvPicPr>
+          <p:blipFill>
+            <a:blip r:embed="rId26"/>
+            <a:stretch>
+              <a:fillRect/>
+            </a:stretch>
+          </p:blipFill>
+          <p:spPr>
+            <a:xfrm>
+              <a:off x="27131411" y="9521160"/>
+              <a:ext cx="4482366" cy="3121648"/>
+            </a:xfrm>
+            <a:prstGeom prst="rect">
+              <a:avLst/>
+            </a:prstGeom>
+          </p:spPr>
+        </p:pic>
+        <p:sp>
+          <p:nvSpPr>
+            <p:cNvPr id="124" name="TextBox 123">
+              <a:extLst>
+                <a:ext uri="{FF2B5EF4-FFF2-40B4-BE49-F238E27FC236}">
+                  <a16:creationId xmlns:a16="http://schemas.microsoft.com/office/drawing/2014/main" id="{3145E90D-FA63-417F-A082-FFD5004D01A6}"/>
+                </a:ext>
+              </a:extLst>
+            </p:cNvPr>
+            <p:cNvSpPr txBox="1"/>
+            <p:nvPr/>
+          </p:nvSpPr>
+          <p:spPr>
+            <a:xfrm>
+              <a:off x="27893920" y="9592990"/>
+              <a:ext cx="2957348" cy="353943"/>
+            </a:xfrm>
+            <a:prstGeom prst="rect">
+              <a:avLst/>
+            </a:prstGeom>
+            <a:solidFill>
+              <a:schemeClr val="bg1"/>
+            </a:solidFill>
+          </p:spPr>
+          <p:txBody>
+            <a:bodyPr wrap="none" rtlCol="0">
+              <a:spAutoFit/>
+            </a:bodyPr>
+            <a:lstStyle/>
+            <a:p>
+              <a:r>
+                <a:rPr lang="en-US" sz="1700" b="1" dirty="0">
+                  <a:latin typeface="Avenir Heavy"/>
+                </a:rPr>
+                <a:t>Reaction times when gambling</a:t>
+              </a:r>
+            </a:p>
+          </p:txBody>
+        </p:sp>
+      </p:grpSp>
+      <p:sp>
+        <p:nvSpPr>
+          <p:cNvPr id="130" name="TextBox 129">
+            <a:extLst>
+              <a:ext uri="{FF2B5EF4-FFF2-40B4-BE49-F238E27FC236}">
+                <a16:creationId xmlns:a16="http://schemas.microsoft.com/office/drawing/2014/main" id="{9DAB879E-AC3B-4E85-B36B-A2E5368A479F}"/>
+              </a:ext>
+            </a:extLst>
+          </p:cNvPr>
+          <p:cNvSpPr txBox="1"/>
+          <p:nvPr/>
+        </p:nvSpPr>
+        <p:spPr>
+          <a:xfrm>
+            <a:off x="37788308" y="9710705"/>
+            <a:ext cx="2780569" cy="353943"/>
+          </a:xfrm>
+          <a:prstGeom prst="rect">
+            <a:avLst/>
+          </a:prstGeom>
+          <a:solidFill>
+            <a:schemeClr val="bg1"/>
+          </a:solidFill>
+        </p:spPr>
+        <p:txBody>
+          <a:bodyPr wrap="none" rtlCol="0">
+            <a:spAutoFit/>
+          </a:bodyPr>
+          <a:lstStyle/>
+          <a:p>
+            <a:r>
+              <a:rPr lang="en-US" sz="1700" b="1" dirty="0">
+                <a:latin typeface="Avenir Heavy"/>
+              </a:rPr>
+              <a:t>RT slopes of each participant</a:t>
+            </a:r>
+          </a:p>
+        </p:txBody>
+      </p:sp>
+      <p:grpSp>
+        <p:nvGrpSpPr>
+          <p:cNvPr id="104" name="Group 103">
+            <a:extLst>
+              <a:ext uri="{FF2B5EF4-FFF2-40B4-BE49-F238E27FC236}">
+                <a16:creationId xmlns:a16="http://schemas.microsoft.com/office/drawing/2014/main" id="{96954278-B34C-4728-8548-617AA2A0ABA3}"/>
+              </a:ext>
+            </a:extLst>
+          </p:cNvPr>
+          <p:cNvGrpSpPr/>
+          <p:nvPr/>
+        </p:nvGrpSpPr>
+        <p:grpSpPr>
+          <a:xfrm>
+            <a:off x="22846010" y="13193647"/>
+            <a:ext cx="2809234" cy="2130726"/>
+            <a:chOff x="22846010" y="13193647"/>
+            <a:chExt cx="2809234" cy="2130726"/>
+          </a:xfrm>
+        </p:grpSpPr>
+        <p:grpSp>
+          <p:nvGrpSpPr>
+            <p:cNvPr id="38" name="Group 37">
+              <a:extLst>
+                <a:ext uri="{FF2B5EF4-FFF2-40B4-BE49-F238E27FC236}">
+                  <a16:creationId xmlns:a16="http://schemas.microsoft.com/office/drawing/2014/main" id="{8D937AD8-14A8-434C-93DD-628700CA971D}"/>
+                </a:ext>
+              </a:extLst>
+            </p:cNvPr>
+            <p:cNvGrpSpPr/>
+            <p:nvPr/>
+          </p:nvGrpSpPr>
+          <p:grpSpPr>
+            <a:xfrm>
+              <a:off x="22846010" y="13266865"/>
+              <a:ext cx="2809234" cy="2057508"/>
+              <a:chOff x="22990948" y="10033790"/>
+              <a:chExt cx="2809234" cy="2057508"/>
+            </a:xfrm>
+          </p:grpSpPr>
+          <p:pic>
+            <p:nvPicPr>
+              <p:cNvPr id="113" name="Picture 112">
+                <a:extLst>
+                  <a:ext uri="{FF2B5EF4-FFF2-40B4-BE49-F238E27FC236}">
+                    <a16:creationId xmlns:a16="http://schemas.microsoft.com/office/drawing/2014/main" id="{1002EB86-063F-44A1-BD14-B441B5F704C8}"/>
+                  </a:ext>
+                </a:extLst>
+              </p:cNvPr>
+              <p:cNvPicPr>
+                <a:picLocks noChangeAspect="1"/>
+              </p:cNvPicPr>
+              <p:nvPr/>
+            </p:nvPicPr>
+            <p:blipFill>
+              <a:blip r:embed="rId27"/>
+              <a:stretch>
+                <a:fillRect/>
+              </a:stretch>
+            </p:blipFill>
+            <p:spPr>
+              <a:xfrm>
+                <a:off x="22990948" y="10033790"/>
+                <a:ext cx="2809234" cy="2057508"/>
+              </a:xfrm>
+              <a:prstGeom prst="rect">
+                <a:avLst/>
+              </a:prstGeom>
+            </p:spPr>
+          </p:pic>
+          <p:sp>
+            <p:nvSpPr>
+              <p:cNvPr id="37" name="Rectangle 36">
+                <a:extLst>
+                  <a:ext uri="{FF2B5EF4-FFF2-40B4-BE49-F238E27FC236}">
+                    <a16:creationId xmlns:a16="http://schemas.microsoft.com/office/drawing/2014/main" id="{B773B124-511B-4889-8C8C-AFF9E6FC3C0C}"/>
+                  </a:ext>
+                </a:extLst>
+              </p:cNvPr>
+              <p:cNvSpPr/>
+              <p:nvPr/>
+            </p:nvSpPr>
+            <p:spPr>
+              <a:xfrm>
+                <a:off x="25117071" y="10087784"/>
+                <a:ext cx="360040" cy="156783"/>
+              </a:xfrm>
+              <a:prstGeom prst="rect">
+                <a:avLst/>
+              </a:prstGeom>
+              <a:solidFill>
+                <a:schemeClr val="bg1"/>
+              </a:solidFill>
+              <a:ln>
+                <a:noFill/>
+              </a:ln>
+            </p:spPr>
+            <p:style>
+              <a:lnRef idx="2">
+                <a:schemeClr val="accent1">
+                  <a:shade val="50000"/>
+                </a:schemeClr>
+              </a:lnRef>
+              <a:fillRef idx="1">
+                <a:schemeClr val="accent1"/>
+              </a:fillRef>
+              <a:effectRef idx="0">
+                <a:schemeClr val="accent1"/>
+              </a:effectRef>
+              <a:fontRef idx="minor">
+                <a:schemeClr val="lt1"/>
+              </a:fontRef>
+            </p:style>
+            <p:txBody>
+              <a:bodyPr rtlCol="0" anchor="ctr"/>
+              <a:lstStyle/>
+              <a:p>
+                <a:pPr algn="ctr"/>
+                <a:endParaRPr lang="en-US"/>
+              </a:p>
+            </p:txBody>
+          </p:sp>
+        </p:grpSp>
+        <p:sp>
+          <p:nvSpPr>
+            <p:cNvPr id="131" name="TextBox 130">
+              <a:extLst>
+                <a:ext uri="{FF2B5EF4-FFF2-40B4-BE49-F238E27FC236}">
+                  <a16:creationId xmlns:a16="http://schemas.microsoft.com/office/drawing/2014/main" id="{6D120991-1C82-4ED3-BB4A-575A03FBA9C1}"/>
+                </a:ext>
+              </a:extLst>
+            </p:cNvPr>
+            <p:cNvSpPr txBox="1"/>
+            <p:nvPr/>
+          </p:nvSpPr>
+          <p:spPr>
+            <a:xfrm>
+              <a:off x="23134964" y="13193647"/>
+              <a:ext cx="2433680" cy="353943"/>
+            </a:xfrm>
+            <a:prstGeom prst="rect">
+              <a:avLst/>
+            </a:prstGeom>
+            <a:solidFill>
+              <a:schemeClr val="bg1"/>
+            </a:solidFill>
+          </p:spPr>
+          <p:txBody>
+            <a:bodyPr wrap="none" rtlCol="0">
+              <a:spAutoFit/>
+            </a:bodyPr>
+            <a:lstStyle/>
+            <a:p>
+              <a:r>
+                <a:rPr lang="en-US" sz="1700" b="1" dirty="0">
+                  <a:latin typeface="Avenir Heavy"/>
+                </a:rPr>
+                <a:t>EV on gamble propensity</a:t>
+              </a:r>
+            </a:p>
+          </p:txBody>
+        </p:sp>
+      </p:grpSp>
+      <p:sp>
+        <p:nvSpPr>
+          <p:cNvPr id="132" name="TextBox 131">
+            <a:extLst>
+              <a:ext uri="{FF2B5EF4-FFF2-40B4-BE49-F238E27FC236}">
+                <a16:creationId xmlns:a16="http://schemas.microsoft.com/office/drawing/2014/main" id="{D6866EF1-96C4-4CA3-A124-E41D7D967F40}"/>
+              </a:ext>
+            </a:extLst>
+          </p:cNvPr>
+          <p:cNvSpPr txBox="1"/>
+          <p:nvPr/>
+        </p:nvSpPr>
+        <p:spPr>
+          <a:xfrm>
+            <a:off x="23358512" y="15250071"/>
+            <a:ext cx="2275623" cy="353943"/>
+          </a:xfrm>
+          <a:prstGeom prst="rect">
+            <a:avLst/>
+          </a:prstGeom>
+          <a:solidFill>
+            <a:schemeClr val="bg1"/>
+          </a:solidFill>
+        </p:spPr>
+        <p:txBody>
+          <a:bodyPr wrap="none" rtlCol="0">
+            <a:spAutoFit/>
+          </a:bodyPr>
+          <a:lstStyle/>
+          <a:p>
+            <a:r>
+              <a:rPr lang="en-US" sz="1700" b="1" dirty="0">
+                <a:latin typeface="Avenir Heavy"/>
+              </a:rPr>
+              <a:t>EV sensitivity; </a:t>
+            </a:r>
+            <a:r>
+              <a:rPr lang="en-US" sz="1700" b="1" dirty="0" err="1">
+                <a:latin typeface="Avenir Heavy"/>
+              </a:rPr>
+              <a:t>catchFail</a:t>
+            </a:r>
+            <a:endParaRPr lang="en-US" sz="1700" b="1" dirty="0">
+              <a:latin typeface="Avenir Heavy"/>
+            </a:endParaRPr>
+          </a:p>
+        </p:txBody>
+      </p:sp>
+      <p:grpSp>
+        <p:nvGrpSpPr>
+          <p:cNvPr id="67" name="Group 66">
+            <a:extLst>
+              <a:ext uri="{FF2B5EF4-FFF2-40B4-BE49-F238E27FC236}">
+                <a16:creationId xmlns:a16="http://schemas.microsoft.com/office/drawing/2014/main" id="{C1A05729-BFA9-4DBE-AAD7-C13D2B5CA093}"/>
+              </a:ext>
+            </a:extLst>
+          </p:cNvPr>
+          <p:cNvGrpSpPr/>
+          <p:nvPr/>
+        </p:nvGrpSpPr>
+        <p:grpSpPr>
+          <a:xfrm>
+            <a:off x="23053324" y="19867811"/>
+            <a:ext cx="2809234" cy="2100447"/>
+            <a:chOff x="23205128" y="19890134"/>
+            <a:chExt cx="2809234" cy="2100447"/>
+          </a:xfrm>
+        </p:grpSpPr>
+        <p:pic>
+          <p:nvPicPr>
+            <p:cNvPr id="29" name="Picture 28">
+              <a:extLst>
+                <a:ext uri="{FF2B5EF4-FFF2-40B4-BE49-F238E27FC236}">
+                  <a16:creationId xmlns:a16="http://schemas.microsoft.com/office/drawing/2014/main" id="{B10C3A89-55ED-4F48-9E5C-D9B05D52B44F}"/>
+                </a:ext>
+              </a:extLst>
+            </p:cNvPr>
+            <p:cNvPicPr>
+              <a:picLocks noChangeAspect="1"/>
+            </p:cNvPicPr>
+            <p:nvPr/>
+          </p:nvPicPr>
+          <p:blipFill>
+            <a:blip r:embed="rId28"/>
+            <a:stretch>
+              <a:fillRect/>
+            </a:stretch>
+          </p:blipFill>
+          <p:spPr>
+            <a:xfrm>
+              <a:off x="23205128" y="20034150"/>
+              <a:ext cx="2809234" cy="1956431"/>
+            </a:xfrm>
+            <a:prstGeom prst="rect">
+              <a:avLst/>
+            </a:prstGeom>
+          </p:spPr>
+        </p:pic>
+        <p:sp>
+          <p:nvSpPr>
+            <p:cNvPr id="134" name="TextBox 133">
+              <a:extLst>
+                <a:ext uri="{FF2B5EF4-FFF2-40B4-BE49-F238E27FC236}">
+                  <a16:creationId xmlns:a16="http://schemas.microsoft.com/office/drawing/2014/main" id="{AFEE532D-2777-45B7-ADF6-37F1966FA4F8}"/>
+                </a:ext>
+              </a:extLst>
+            </p:cNvPr>
+            <p:cNvSpPr txBox="1"/>
+            <p:nvPr/>
+          </p:nvSpPr>
+          <p:spPr>
+            <a:xfrm>
+              <a:off x="23278058" y="19890134"/>
+              <a:ext cx="2706382" cy="353943"/>
+            </a:xfrm>
+            <a:prstGeom prst="rect">
+              <a:avLst/>
+            </a:prstGeom>
+            <a:solidFill>
+              <a:schemeClr val="bg1"/>
+            </a:solidFill>
+          </p:spPr>
+          <p:txBody>
+            <a:bodyPr wrap="none" rtlCol="0">
+              <a:spAutoFit/>
+            </a:bodyPr>
+            <a:lstStyle/>
+            <a:p>
+              <a:r>
+                <a:rPr lang="en-US" sz="1700" b="1" dirty="0">
+                  <a:latin typeface="Avenir Heavy"/>
+                </a:rPr>
+                <a:t>EV sensitivity; </a:t>
+              </a:r>
+              <a:r>
+                <a:rPr lang="en-US" sz="1700" b="1" dirty="0" err="1">
+                  <a:latin typeface="Avenir Heavy"/>
+                </a:rPr>
+                <a:t>catchSuccess</a:t>
+              </a:r>
+              <a:endParaRPr lang="en-US" sz="1700" b="1" dirty="0">
+                <a:latin typeface="Avenir Heavy"/>
+              </a:endParaRPr>
+            </a:p>
+          </p:txBody>
+        </p:sp>
+      </p:grpSp>
+      <p:grpSp>
+        <p:nvGrpSpPr>
+          <p:cNvPr id="71" name="Group 70">
+            <a:extLst>
+              <a:ext uri="{FF2B5EF4-FFF2-40B4-BE49-F238E27FC236}">
+                <a16:creationId xmlns:a16="http://schemas.microsoft.com/office/drawing/2014/main" id="{672FCF79-592B-4841-9A1C-4324E42BB290}"/>
+              </a:ext>
+            </a:extLst>
+          </p:cNvPr>
+          <p:cNvGrpSpPr/>
+          <p:nvPr/>
+        </p:nvGrpSpPr>
+        <p:grpSpPr>
+          <a:xfrm>
+            <a:off x="22990026" y="17667775"/>
+            <a:ext cx="2809234" cy="2114134"/>
+            <a:chOff x="23156664" y="17591975"/>
+            <a:chExt cx="2809234" cy="2114134"/>
+          </a:xfrm>
+        </p:grpSpPr>
+        <p:grpSp>
+          <p:nvGrpSpPr>
+            <p:cNvPr id="46" name="Group 45">
+              <a:extLst>
+                <a:ext uri="{FF2B5EF4-FFF2-40B4-BE49-F238E27FC236}">
+                  <a16:creationId xmlns:a16="http://schemas.microsoft.com/office/drawing/2014/main" id="{A4AD0762-831D-4DEF-BC86-999128F39218}"/>
+                </a:ext>
+              </a:extLst>
+            </p:cNvPr>
+            <p:cNvGrpSpPr/>
+            <p:nvPr/>
+          </p:nvGrpSpPr>
+          <p:grpSpPr>
+            <a:xfrm>
+              <a:off x="23156664" y="17648599"/>
+              <a:ext cx="2809234" cy="2057510"/>
+              <a:chOff x="23184280" y="14614449"/>
+              <a:chExt cx="2809234" cy="2057510"/>
+            </a:xfrm>
+          </p:grpSpPr>
+          <p:pic>
+            <p:nvPicPr>
+              <p:cNvPr id="24" name="Picture 23">
+                <a:extLst>
+                  <a:ext uri="{FF2B5EF4-FFF2-40B4-BE49-F238E27FC236}">
+                    <a16:creationId xmlns:a16="http://schemas.microsoft.com/office/drawing/2014/main" id="{E6FB8651-7D66-45C6-93F7-7BD7DF40F152}"/>
+                  </a:ext>
+                </a:extLst>
+              </p:cNvPr>
+              <p:cNvPicPr>
+                <a:picLocks noChangeAspect="1"/>
+              </p:cNvPicPr>
+              <p:nvPr/>
+            </p:nvPicPr>
+            <p:blipFill>
+              <a:blip r:embed="rId29"/>
+              <a:stretch>
+                <a:fillRect/>
+              </a:stretch>
+            </p:blipFill>
+            <p:spPr>
+              <a:xfrm>
+                <a:off x="23184280" y="14614449"/>
+                <a:ext cx="2809234" cy="2057510"/>
+              </a:xfrm>
+              <a:prstGeom prst="rect">
+                <a:avLst/>
+              </a:prstGeom>
+            </p:spPr>
+          </p:pic>
+          <p:sp>
+            <p:nvSpPr>
+              <p:cNvPr id="40" name="Rectangle 39">
+                <a:extLst>
+                  <a:ext uri="{FF2B5EF4-FFF2-40B4-BE49-F238E27FC236}">
+                    <a16:creationId xmlns:a16="http://schemas.microsoft.com/office/drawing/2014/main" id="{2FD7D532-3DBB-4627-A10D-C6623923EBE1}"/>
+                  </a:ext>
+                </a:extLst>
+              </p:cNvPr>
+              <p:cNvSpPr/>
+              <p:nvPr/>
+            </p:nvSpPr>
+            <p:spPr>
+              <a:xfrm>
+                <a:off x="25317926" y="14680729"/>
+                <a:ext cx="357231" cy="129745"/>
+              </a:xfrm>
+              <a:prstGeom prst="rect">
+                <a:avLst/>
+              </a:prstGeom>
+              <a:solidFill>
+                <a:schemeClr val="bg1"/>
+              </a:solidFill>
+              <a:ln>
+                <a:noFill/>
+              </a:ln>
+            </p:spPr>
+            <p:style>
+              <a:lnRef idx="2">
+                <a:schemeClr val="accent1">
+                  <a:shade val="50000"/>
+                </a:schemeClr>
+              </a:lnRef>
+              <a:fillRef idx="1">
+                <a:schemeClr val="accent1"/>
+              </a:fillRef>
+              <a:effectRef idx="0">
+                <a:schemeClr val="accent1"/>
+              </a:effectRef>
+              <a:fontRef idx="minor">
+                <a:schemeClr val="lt1"/>
+              </a:fontRef>
+            </p:style>
+            <p:txBody>
+              <a:bodyPr rtlCol="0" anchor="ctr"/>
+              <a:lstStyle/>
+              <a:p>
+                <a:pPr algn="ctr"/>
+                <a:endParaRPr lang="en-US"/>
+              </a:p>
+            </p:txBody>
+          </p:sp>
+        </p:grpSp>
+        <p:sp>
+          <p:nvSpPr>
+            <p:cNvPr id="135" name="TextBox 134">
+              <a:extLst>
+                <a:ext uri="{FF2B5EF4-FFF2-40B4-BE49-F238E27FC236}">
+                  <a16:creationId xmlns:a16="http://schemas.microsoft.com/office/drawing/2014/main" id="{44D87BDE-2AAC-4505-9034-AAB9F5B228B5}"/>
+                </a:ext>
+              </a:extLst>
+            </p:cNvPr>
+            <p:cNvSpPr txBox="1"/>
+            <p:nvPr/>
+          </p:nvSpPr>
+          <p:spPr>
+            <a:xfrm>
+              <a:off x="23344440" y="17591975"/>
+              <a:ext cx="2433680" cy="353943"/>
+            </a:xfrm>
+            <a:prstGeom prst="rect">
+              <a:avLst/>
+            </a:prstGeom>
+            <a:solidFill>
+              <a:schemeClr val="bg1"/>
+            </a:solidFill>
+          </p:spPr>
+          <p:txBody>
+            <a:bodyPr wrap="none" rtlCol="0">
+              <a:spAutoFit/>
+            </a:bodyPr>
+            <a:lstStyle/>
+            <a:p>
+              <a:r>
+                <a:rPr lang="en-US" sz="1700" b="1" dirty="0">
+                  <a:latin typeface="Avenir Heavy"/>
+                </a:rPr>
+                <a:t>EV on gamble propensity</a:t>
+              </a:r>
+            </a:p>
+          </p:txBody>
+        </p:sp>
+      </p:grpSp>
+      <p:grpSp>
+        <p:nvGrpSpPr>
+          <p:cNvPr id="99" name="Group 98">
+            <a:extLst>
+              <a:ext uri="{FF2B5EF4-FFF2-40B4-BE49-F238E27FC236}">
+                <a16:creationId xmlns:a16="http://schemas.microsoft.com/office/drawing/2014/main" id="{B0183B64-167D-4296-9C30-BBF80AFFE9F9}"/>
+              </a:ext>
+            </a:extLst>
+          </p:cNvPr>
+          <p:cNvGrpSpPr/>
+          <p:nvPr/>
+        </p:nvGrpSpPr>
+        <p:grpSpPr>
+          <a:xfrm>
+            <a:off x="26014362" y="18082078"/>
+            <a:ext cx="4956225" cy="3451656"/>
+            <a:chOff x="25848638" y="18082078"/>
+            <a:chExt cx="4956225" cy="3451656"/>
+          </a:xfrm>
+        </p:grpSpPr>
+        <p:pic>
+          <p:nvPicPr>
+            <p:cNvPr id="19" name="Picture 18">
+              <a:extLst>
+                <a:ext uri="{FF2B5EF4-FFF2-40B4-BE49-F238E27FC236}">
+                  <a16:creationId xmlns:a16="http://schemas.microsoft.com/office/drawing/2014/main" id="{B590F362-197E-49EA-9B52-52034242A81A}"/>
+                </a:ext>
+              </a:extLst>
+            </p:cNvPr>
+            <p:cNvPicPr>
+              <a:picLocks noChangeAspect="1"/>
+            </p:cNvPicPr>
+            <p:nvPr/>
+          </p:nvPicPr>
+          <p:blipFill>
+            <a:blip r:embed="rId30"/>
+            <a:stretch>
+              <a:fillRect/>
+            </a:stretch>
+          </p:blipFill>
+          <p:spPr>
+            <a:xfrm>
+              <a:off x="25848638" y="18082078"/>
+              <a:ext cx="4956225" cy="3451656"/>
+            </a:xfrm>
+            <a:prstGeom prst="rect">
+              <a:avLst/>
+            </a:prstGeom>
+          </p:spPr>
+        </p:pic>
+        <p:sp>
+          <p:nvSpPr>
+            <p:cNvPr id="136" name="TextBox 135">
+              <a:extLst>
+                <a:ext uri="{FF2B5EF4-FFF2-40B4-BE49-F238E27FC236}">
+                  <a16:creationId xmlns:a16="http://schemas.microsoft.com/office/drawing/2014/main" id="{FA181155-F440-426B-A7B7-3328DAFBCC74}"/>
+                </a:ext>
+              </a:extLst>
+            </p:cNvPr>
+            <p:cNvSpPr txBox="1"/>
+            <p:nvPr/>
+          </p:nvSpPr>
+          <p:spPr>
+            <a:xfrm>
+              <a:off x="26275866" y="18130992"/>
+              <a:ext cx="4528997" cy="353943"/>
+            </a:xfrm>
+            <a:prstGeom prst="rect">
+              <a:avLst/>
+            </a:prstGeom>
+            <a:solidFill>
+              <a:schemeClr val="bg1"/>
+            </a:solidFill>
+          </p:spPr>
+          <p:txBody>
+            <a:bodyPr wrap="none" rtlCol="0">
+              <a:spAutoFit/>
+            </a:bodyPr>
+            <a:lstStyle/>
+            <a:p>
+              <a:r>
+                <a:rPr lang="en-US" sz="1700" b="1" dirty="0">
+                  <a:latin typeface="Avenir Heavy"/>
+                </a:rPr>
+                <a:t>Gamble propensity vs. gamble interruption time</a:t>
+              </a:r>
+            </a:p>
+          </p:txBody>
+        </p:sp>
+      </p:grpSp>
+      <p:grpSp>
+        <p:nvGrpSpPr>
+          <p:cNvPr id="102" name="Group 101">
+            <a:extLst>
+              <a:ext uri="{FF2B5EF4-FFF2-40B4-BE49-F238E27FC236}">
+                <a16:creationId xmlns:a16="http://schemas.microsoft.com/office/drawing/2014/main" id="{34BD6E7E-AD15-4007-8C59-E937B24ABD19}"/>
+              </a:ext>
+            </a:extLst>
+          </p:cNvPr>
+          <p:cNvGrpSpPr/>
+          <p:nvPr/>
+        </p:nvGrpSpPr>
+        <p:grpSpPr>
+          <a:xfrm>
+            <a:off x="25944118" y="13570632"/>
+            <a:ext cx="5041709" cy="3511190"/>
+            <a:chOff x="25944118" y="13538031"/>
+            <a:chExt cx="5041709" cy="3511190"/>
+          </a:xfrm>
+        </p:grpSpPr>
+        <p:pic>
+          <p:nvPicPr>
+            <p:cNvPr id="18" name="Picture 17">
+              <a:extLst>
+                <a:ext uri="{FF2B5EF4-FFF2-40B4-BE49-F238E27FC236}">
+                  <a16:creationId xmlns:a16="http://schemas.microsoft.com/office/drawing/2014/main" id="{FCCC45B3-BA37-4806-841A-BA84DF9D032E}"/>
+                </a:ext>
+              </a:extLst>
+            </p:cNvPr>
+            <p:cNvPicPr>
+              <a:picLocks noChangeAspect="1"/>
+            </p:cNvPicPr>
+            <p:nvPr/>
+          </p:nvPicPr>
+          <p:blipFill>
+            <a:blip r:embed="rId31"/>
+            <a:stretch>
+              <a:fillRect/>
+            </a:stretch>
+          </p:blipFill>
+          <p:spPr>
+            <a:xfrm>
+              <a:off x="25944118" y="13538031"/>
+              <a:ext cx="5041709" cy="3511190"/>
+            </a:xfrm>
+            <a:prstGeom prst="rect">
+              <a:avLst/>
+            </a:prstGeom>
+          </p:spPr>
+        </p:pic>
+        <p:sp>
+          <p:nvSpPr>
+            <p:cNvPr id="137" name="TextBox 136">
+              <a:extLst>
+                <a:ext uri="{FF2B5EF4-FFF2-40B4-BE49-F238E27FC236}">
+                  <a16:creationId xmlns:a16="http://schemas.microsoft.com/office/drawing/2014/main" id="{2EE8BEC9-CC23-4175-81EF-C57FC4C78BE9}"/>
+                </a:ext>
+              </a:extLst>
+            </p:cNvPr>
+            <p:cNvSpPr txBox="1"/>
+            <p:nvPr/>
+          </p:nvSpPr>
+          <p:spPr>
+            <a:xfrm>
+              <a:off x="26403277" y="13609052"/>
+              <a:ext cx="4528997" cy="353943"/>
+            </a:xfrm>
+            <a:prstGeom prst="rect">
+              <a:avLst/>
+            </a:prstGeom>
+            <a:solidFill>
+              <a:schemeClr val="bg1"/>
+            </a:solidFill>
+          </p:spPr>
+          <p:txBody>
+            <a:bodyPr wrap="none" rtlCol="0">
+              <a:spAutoFit/>
+            </a:bodyPr>
+            <a:lstStyle/>
+            <a:p>
+              <a:r>
+                <a:rPr lang="en-US" sz="1700" b="1" dirty="0">
+                  <a:latin typeface="Avenir Heavy"/>
+                </a:rPr>
+                <a:t>Gamble propensity vs. gamble interruption time</a:t>
+              </a:r>
+            </a:p>
+          </p:txBody>
+        </p:sp>
+      </p:grpSp>
+      <p:grpSp>
+        <p:nvGrpSpPr>
+          <p:cNvPr id="63" name="Group 62">
+            <a:extLst>
+              <a:ext uri="{FF2B5EF4-FFF2-40B4-BE49-F238E27FC236}">
+                <a16:creationId xmlns:a16="http://schemas.microsoft.com/office/drawing/2014/main" id="{CD10521E-EE2B-4B34-B97F-D69B1688AC54}"/>
+              </a:ext>
+            </a:extLst>
+          </p:cNvPr>
+          <p:cNvGrpSpPr/>
+          <p:nvPr/>
+        </p:nvGrpSpPr>
+        <p:grpSpPr>
+          <a:xfrm>
+            <a:off x="31058677" y="13627665"/>
+            <a:ext cx="5110546" cy="3382149"/>
+            <a:chOff x="31058677" y="13571961"/>
+            <a:chExt cx="5110546" cy="3382149"/>
+          </a:xfrm>
+        </p:grpSpPr>
+        <p:pic>
+          <p:nvPicPr>
+            <p:cNvPr id="16" name="Picture 15">
+              <a:extLst>
+                <a:ext uri="{FF2B5EF4-FFF2-40B4-BE49-F238E27FC236}">
+                  <a16:creationId xmlns:a16="http://schemas.microsoft.com/office/drawing/2014/main" id="{8B9D06DE-3CAA-46B3-A704-700427AE8972}"/>
                 </a:ext>
               </a:extLst>
             </p:cNvPr>
@@ -7883,8 +9116,8 @@
           </p:blipFill>
           <p:spPr>
             <a:xfrm>
-              <a:off x="23062034" y="10033790"/>
-              <a:ext cx="2809234" cy="2057508"/>
+              <a:off x="31058677" y="13571961"/>
+              <a:ext cx="5110546" cy="3382149"/>
             </a:xfrm>
             <a:prstGeom prst="rect">
               <a:avLst/>
@@ -7893,20 +9126,20 @@
         </p:pic>
         <p:sp>
           <p:nvSpPr>
-            <p:cNvPr id="37" name="Rectangle 36">
+            <p:cNvPr id="139" name="TextBox 138">
               <a:extLst>
                 <a:ext uri="{FF2B5EF4-FFF2-40B4-BE49-F238E27FC236}">
-                  <a16:creationId xmlns:a16="http://schemas.microsoft.com/office/drawing/2014/main" id="{B773B124-511B-4889-8C8C-AFF9E6FC3C0C}"/>
+                  <a16:creationId xmlns:a16="http://schemas.microsoft.com/office/drawing/2014/main" id="{F6F4AC94-7205-48F9-BE9B-C06A7D33BA11}"/>
                 </a:ext>
               </a:extLst>
             </p:cNvPr>
-            <p:cNvSpPr/>
+            <p:cNvSpPr txBox="1"/>
             <p:nvPr/>
           </p:nvSpPr>
           <p:spPr>
             <a:xfrm>
-              <a:off x="25117071" y="10087784"/>
-              <a:ext cx="360040" cy="156783"/>
+              <a:off x="31744191" y="13578058"/>
+              <a:ext cx="4094069" cy="353943"/>
             </a:xfrm>
             <a:prstGeom prst="rect">
               <a:avLst/>
@@ -7914,42 +9147,29 @@
             <a:solidFill>
               <a:schemeClr val="bg1"/>
             </a:solidFill>
-            <a:ln>
-              <a:noFill/>
-            </a:ln>
           </p:spPr>
-          <p:style>
-            <a:lnRef idx="2">
-              <a:schemeClr val="accent1">
-                <a:shade val="50000"/>
-              </a:schemeClr>
-            </a:lnRef>
-            <a:fillRef idx="1">
-              <a:schemeClr val="accent1"/>
-            </a:fillRef>
-            <a:effectRef idx="0">
-              <a:schemeClr val="accent1"/>
-            </a:effectRef>
-            <a:fontRef idx="minor">
-              <a:schemeClr val="lt1"/>
-            </a:fontRef>
-          </p:style>
           <p:txBody>
-            <a:bodyPr rtlCol="0" anchor="ctr"/>
+            <a:bodyPr wrap="none" rtlCol="0">
+              <a:spAutoFit/>
+            </a:bodyPr>
             <a:lstStyle/>
             <a:p>
-              <a:pPr algn="ctr"/>
-              <a:endParaRPr lang="en-US"/>
+              <a:r>
+                <a:rPr lang="en-US" sz="1700" b="1" dirty="0">
+                  <a:latin typeface="Avenir Heavy"/>
+                </a:rPr>
+                <a:t>Reaction Time vs. gamble interruption time</a:t>
+              </a:r>
             </a:p>
           </p:txBody>
         </p:sp>
       </p:grpSp>
       <p:grpSp>
         <p:nvGrpSpPr>
-          <p:cNvPr id="46" name="Group 45">
+          <p:cNvPr id="103" name="Group 102">
             <a:extLst>
               <a:ext uri="{FF2B5EF4-FFF2-40B4-BE49-F238E27FC236}">
-                <a16:creationId xmlns:a16="http://schemas.microsoft.com/office/drawing/2014/main" id="{A4AD0762-831D-4DEF-BC86-999128F39218}"/>
+                <a16:creationId xmlns:a16="http://schemas.microsoft.com/office/drawing/2014/main" id="{7212D9F3-51CB-44BD-B2ED-C3ACA912DD83}"/>
               </a:ext>
             </a:extLst>
           </p:cNvPr>
@@ -7958,18 +9178,18 @@
         </p:nvGrpSpPr>
         <p:grpSpPr>
           <a:xfrm>
-            <a:off x="23226739" y="14712301"/>
-            <a:ext cx="2809234" cy="2057510"/>
-            <a:chOff x="23184280" y="14614449"/>
-            <a:chExt cx="2809234" cy="2057510"/>
+            <a:off x="31118803" y="18092160"/>
+            <a:ext cx="5120695" cy="3382150"/>
+            <a:chOff x="30701644" y="17954692"/>
+            <a:chExt cx="5075315" cy="3534594"/>
           </a:xfrm>
         </p:grpSpPr>
         <p:pic>
           <p:nvPicPr>
-            <p:cNvPr id="24" name="Picture 23">
+            <p:cNvPr id="17" name="Picture 16">
               <a:extLst>
                 <a:ext uri="{FF2B5EF4-FFF2-40B4-BE49-F238E27FC236}">
-                  <a16:creationId xmlns:a16="http://schemas.microsoft.com/office/drawing/2014/main" id="{E6FB8651-7D66-45C6-93F7-7BD7DF40F152}"/>
+                  <a16:creationId xmlns:a16="http://schemas.microsoft.com/office/drawing/2014/main" id="{7521FC06-55D7-4034-A0C7-585A3F54A78A}"/>
                 </a:ext>
               </a:extLst>
             </p:cNvPr>
@@ -7986,8 +9206,8 @@
           </p:blipFill>
           <p:spPr>
             <a:xfrm>
-              <a:off x="23184280" y="14614449"/>
-              <a:ext cx="2809234" cy="2057510"/>
+              <a:off x="30701644" y="17954692"/>
+              <a:ext cx="5075315" cy="3534594"/>
             </a:xfrm>
             <a:prstGeom prst="rect">
               <a:avLst/>
@@ -7996,20 +9216,20 @@
         </p:pic>
         <p:sp>
           <p:nvSpPr>
-            <p:cNvPr id="40" name="Rectangle 39">
+            <p:cNvPr id="140" name="TextBox 139">
               <a:extLst>
                 <a:ext uri="{FF2B5EF4-FFF2-40B4-BE49-F238E27FC236}">
-                  <a16:creationId xmlns:a16="http://schemas.microsoft.com/office/drawing/2014/main" id="{2FD7D532-3DBB-4627-A10D-C6623923EBE1}"/>
+                  <a16:creationId xmlns:a16="http://schemas.microsoft.com/office/drawing/2014/main" id="{A3571745-A27A-4D62-AE78-F9A633A04651}"/>
                 </a:ext>
               </a:extLst>
             </p:cNvPr>
-            <p:cNvSpPr/>
+            <p:cNvSpPr txBox="1"/>
             <p:nvPr/>
           </p:nvSpPr>
           <p:spPr>
             <a:xfrm>
-              <a:off x="25317926" y="14680729"/>
-              <a:ext cx="357231" cy="129745"/>
+              <a:off x="31326041" y="17974689"/>
+              <a:ext cx="4094069" cy="353943"/>
             </a:xfrm>
             <a:prstGeom prst="rect">
               <a:avLst/>
@@ -8017,66 +9237,1195 @@
             <a:solidFill>
               <a:schemeClr val="bg1"/>
             </a:solidFill>
-            <a:ln>
-              <a:noFill/>
-            </a:ln>
           </p:spPr>
-          <p:style>
-            <a:lnRef idx="2">
-              <a:schemeClr val="accent1">
-                <a:shade val="50000"/>
-              </a:schemeClr>
-            </a:lnRef>
-            <a:fillRef idx="1">
-              <a:schemeClr val="accent1"/>
-            </a:fillRef>
-            <a:effectRef idx="0">
-              <a:schemeClr val="accent1"/>
-            </a:effectRef>
-            <a:fontRef idx="minor">
-              <a:schemeClr val="lt1"/>
-            </a:fontRef>
-          </p:style>
           <p:txBody>
-            <a:bodyPr rtlCol="0" anchor="ctr"/>
+            <a:bodyPr wrap="none" rtlCol="0">
+              <a:spAutoFit/>
+            </a:bodyPr>
             <a:lstStyle/>
             <a:p>
-              <a:pPr algn="ctr"/>
-              <a:endParaRPr lang="en-US"/>
+              <a:r>
+                <a:rPr lang="en-US" sz="1700" b="1" dirty="0">
+                  <a:latin typeface="Avenir Heavy"/>
+                </a:rPr>
+                <a:t>Reaction Time vs. gamble interruption time</a:t>
+              </a:r>
             </a:p>
           </p:txBody>
         </p:sp>
       </p:grpSp>
-      <p:pic>
-        <p:nvPicPr>
-          <p:cNvPr id="48" name="Picture 47">
+      <p:sp>
+        <p:nvSpPr>
+          <p:cNvPr id="105" name="TextBox 104">
             <a:extLst>
               <a:ext uri="{FF2B5EF4-FFF2-40B4-BE49-F238E27FC236}">
-                <a16:creationId xmlns:a16="http://schemas.microsoft.com/office/drawing/2014/main" id="{E8BF78C7-82E3-4EDC-AFB0-A594465379EE}"/>
+                <a16:creationId xmlns:a16="http://schemas.microsoft.com/office/drawing/2014/main" id="{F1DA0242-F4D0-45A3-9CB9-FFB7A84E4FD2}"/>
               </a:ext>
             </a:extLst>
           </p:cNvPr>
-          <p:cNvPicPr>
-            <a:picLocks noChangeAspect="1"/>
-          </p:cNvPicPr>
+          <p:cNvSpPr txBox="1"/>
           <p:nvPr/>
-        </p:nvPicPr>
-        <p:blipFill>
-          <a:blip r:embed="rId34"/>
-          <a:stretch>
-            <a:fillRect/>
-          </a:stretch>
-        </p:blipFill>
-        <p:spPr>
-          <a:xfrm>
-            <a:off x="28071497" y="7483590"/>
-            <a:ext cx="2925168" cy="1877149"/>
+        </p:nvSpPr>
+        <p:spPr>
+          <a:xfrm>
+            <a:off x="28694843" y="6009686"/>
+            <a:ext cx="338554" cy="461665"/>
           </a:xfrm>
           <a:prstGeom prst="rect">
             <a:avLst/>
           </a:prstGeom>
-        </p:spPr>
-      </p:pic>
+          <a:noFill/>
+        </p:spPr>
+        <p:txBody>
+          <a:bodyPr wrap="none" rtlCol="0">
+            <a:spAutoFit/>
+          </a:bodyPr>
+          <a:lstStyle/>
+          <a:p>
+            <a:r>
+              <a:rPr lang="en-US" sz="2400" dirty="0"/>
+              <a:t>*</a:t>
+            </a:r>
+          </a:p>
+        </p:txBody>
+      </p:sp>
+      <p:sp>
+        <p:nvSpPr>
+          <p:cNvPr id="147" name="TextBox 146">
+            <a:extLst>
+              <a:ext uri="{FF2B5EF4-FFF2-40B4-BE49-F238E27FC236}">
+                <a16:creationId xmlns:a16="http://schemas.microsoft.com/office/drawing/2014/main" id="{610F8FA3-8F21-4615-ADF7-1C8395FE732B}"/>
+              </a:ext>
+            </a:extLst>
+          </p:cNvPr>
+          <p:cNvSpPr txBox="1"/>
+          <p:nvPr/>
+        </p:nvSpPr>
+        <p:spPr>
+          <a:xfrm>
+            <a:off x="29542703" y="5776566"/>
+            <a:ext cx="338554" cy="461665"/>
+          </a:xfrm>
+          <a:prstGeom prst="rect">
+            <a:avLst/>
+          </a:prstGeom>
+          <a:noFill/>
+        </p:spPr>
+        <p:txBody>
+          <a:bodyPr wrap="none" rtlCol="0">
+            <a:spAutoFit/>
+          </a:bodyPr>
+          <a:lstStyle/>
+          <a:p>
+            <a:r>
+              <a:rPr lang="en-US" sz="2400" dirty="0"/>
+              <a:t>*</a:t>
+            </a:r>
+          </a:p>
+        </p:txBody>
+      </p:sp>
+      <p:sp>
+        <p:nvSpPr>
+          <p:cNvPr id="149" name="TextBox 148">
+            <a:extLst>
+              <a:ext uri="{FF2B5EF4-FFF2-40B4-BE49-F238E27FC236}">
+                <a16:creationId xmlns:a16="http://schemas.microsoft.com/office/drawing/2014/main" id="{0A96455D-B59F-4E3E-97C8-F1355F53013A}"/>
+              </a:ext>
+            </a:extLst>
+          </p:cNvPr>
+          <p:cNvSpPr txBox="1"/>
+          <p:nvPr/>
+        </p:nvSpPr>
+        <p:spPr>
+          <a:xfrm>
+            <a:off x="32804600" y="10529094"/>
+            <a:ext cx="338554" cy="461665"/>
+          </a:xfrm>
+          <a:prstGeom prst="rect">
+            <a:avLst/>
+          </a:prstGeom>
+          <a:noFill/>
+        </p:spPr>
+        <p:txBody>
+          <a:bodyPr wrap="none" rtlCol="0">
+            <a:spAutoFit/>
+          </a:bodyPr>
+          <a:lstStyle/>
+          <a:p>
+            <a:r>
+              <a:rPr lang="en-US" sz="2400" dirty="0"/>
+              <a:t>*</a:t>
+            </a:r>
+          </a:p>
+        </p:txBody>
+      </p:sp>
+      <p:sp>
+        <p:nvSpPr>
+          <p:cNvPr id="150" name="TextBox 149">
+            <a:extLst>
+              <a:ext uri="{FF2B5EF4-FFF2-40B4-BE49-F238E27FC236}">
+                <a16:creationId xmlns:a16="http://schemas.microsoft.com/office/drawing/2014/main" id="{CB41F103-5FC1-4CAB-AFAA-68555E84149A}"/>
+              </a:ext>
+            </a:extLst>
+          </p:cNvPr>
+          <p:cNvSpPr txBox="1"/>
+          <p:nvPr/>
+        </p:nvSpPr>
+        <p:spPr>
+          <a:xfrm>
+            <a:off x="34097414" y="9953030"/>
+            <a:ext cx="338554" cy="461665"/>
+          </a:xfrm>
+          <a:prstGeom prst="rect">
+            <a:avLst/>
+          </a:prstGeom>
+          <a:noFill/>
+        </p:spPr>
+        <p:txBody>
+          <a:bodyPr wrap="none" rtlCol="0">
+            <a:spAutoFit/>
+          </a:bodyPr>
+          <a:lstStyle/>
+          <a:p>
+            <a:r>
+              <a:rPr lang="en-US" sz="2400" dirty="0"/>
+              <a:t>*</a:t>
+            </a:r>
+          </a:p>
+        </p:txBody>
+      </p:sp>
+      <p:cxnSp>
+        <p:nvCxnSpPr>
+          <p:cNvPr id="122" name="Straight Connector 121">
+            <a:extLst>
+              <a:ext uri="{FF2B5EF4-FFF2-40B4-BE49-F238E27FC236}">
+                <a16:creationId xmlns:a16="http://schemas.microsoft.com/office/drawing/2014/main" id="{63B9692D-A524-4C7D-8A2B-C1CF113A6AFB}"/>
+              </a:ext>
+            </a:extLst>
+          </p:cNvPr>
+          <p:cNvCxnSpPr>
+            <a:cxnSpLocks/>
+          </p:cNvCxnSpPr>
+          <p:nvPr/>
+        </p:nvCxnSpPr>
+        <p:spPr>
+          <a:xfrm flipV="1">
+            <a:off x="28473093" y="6280622"/>
+            <a:ext cx="0" cy="445718"/>
+          </a:xfrm>
+          <a:prstGeom prst="line">
+            <a:avLst/>
+          </a:prstGeom>
+        </p:spPr>
+        <p:style>
+          <a:lnRef idx="1">
+            <a:schemeClr val="dk1"/>
+          </a:lnRef>
+          <a:fillRef idx="0">
+            <a:schemeClr val="dk1"/>
+          </a:fillRef>
+          <a:effectRef idx="0">
+            <a:schemeClr val="dk1"/>
+          </a:effectRef>
+          <a:fontRef idx="minor">
+            <a:schemeClr val="tx1"/>
+          </a:fontRef>
+        </p:style>
+      </p:cxnSp>
+      <p:cxnSp>
+        <p:nvCxnSpPr>
+          <p:cNvPr id="153" name="Straight Connector 152">
+            <a:extLst>
+              <a:ext uri="{FF2B5EF4-FFF2-40B4-BE49-F238E27FC236}">
+                <a16:creationId xmlns:a16="http://schemas.microsoft.com/office/drawing/2014/main" id="{7C9FA04A-0DEC-4A4C-834B-F39D272B24E8}"/>
+              </a:ext>
+            </a:extLst>
+          </p:cNvPr>
+          <p:cNvCxnSpPr/>
+          <p:nvPr/>
+        </p:nvCxnSpPr>
+        <p:spPr>
+          <a:xfrm flipV="1">
+            <a:off x="29293104" y="6280622"/>
+            <a:ext cx="0" cy="252345"/>
+          </a:xfrm>
+          <a:prstGeom prst="line">
+            <a:avLst/>
+          </a:prstGeom>
+        </p:spPr>
+        <p:style>
+          <a:lnRef idx="1">
+            <a:schemeClr val="dk1"/>
+          </a:lnRef>
+          <a:fillRef idx="0">
+            <a:schemeClr val="dk1"/>
+          </a:fillRef>
+          <a:effectRef idx="0">
+            <a:schemeClr val="dk1"/>
+          </a:effectRef>
+          <a:fontRef idx="minor">
+            <a:schemeClr val="tx1"/>
+          </a:fontRef>
+        </p:style>
+      </p:cxnSp>
+      <p:cxnSp>
+        <p:nvCxnSpPr>
+          <p:cNvPr id="152" name="Straight Connector 151">
+            <a:extLst>
+              <a:ext uri="{FF2B5EF4-FFF2-40B4-BE49-F238E27FC236}">
+                <a16:creationId xmlns:a16="http://schemas.microsoft.com/office/drawing/2014/main" id="{ABE51E03-1067-456E-8EF9-64B56F90A158}"/>
+              </a:ext>
+            </a:extLst>
+          </p:cNvPr>
+          <p:cNvCxnSpPr/>
+          <p:nvPr/>
+        </p:nvCxnSpPr>
+        <p:spPr>
+          <a:xfrm>
+            <a:off x="28473093" y="6280622"/>
+            <a:ext cx="820011" cy="6961"/>
+          </a:xfrm>
+          <a:prstGeom prst="line">
+            <a:avLst/>
+          </a:prstGeom>
+        </p:spPr>
+        <p:style>
+          <a:lnRef idx="1">
+            <a:schemeClr val="dk1"/>
+          </a:lnRef>
+          <a:fillRef idx="0">
+            <a:schemeClr val="dk1"/>
+          </a:fillRef>
+          <a:effectRef idx="0">
+            <a:schemeClr val="dk1"/>
+          </a:effectRef>
+          <a:fontRef idx="minor">
+            <a:schemeClr val="tx1"/>
+          </a:fontRef>
+        </p:style>
+      </p:cxnSp>
+      <p:cxnSp>
+        <p:nvCxnSpPr>
+          <p:cNvPr id="157" name="Straight Connector 156">
+            <a:extLst>
+              <a:ext uri="{FF2B5EF4-FFF2-40B4-BE49-F238E27FC236}">
+                <a16:creationId xmlns:a16="http://schemas.microsoft.com/office/drawing/2014/main" id="{71AD0C53-C46A-4F6B-AEE9-C03D09B5956F}"/>
+              </a:ext>
+            </a:extLst>
+          </p:cNvPr>
+          <p:cNvCxnSpPr>
+            <a:cxnSpLocks/>
+          </p:cNvCxnSpPr>
+          <p:nvPr/>
+        </p:nvCxnSpPr>
+        <p:spPr>
+          <a:xfrm flipV="1">
+            <a:off x="30118818" y="6049602"/>
+            <a:ext cx="0" cy="28038"/>
+          </a:xfrm>
+          <a:prstGeom prst="line">
+            <a:avLst/>
+          </a:prstGeom>
+        </p:spPr>
+        <p:style>
+          <a:lnRef idx="1">
+            <a:schemeClr val="dk1"/>
+          </a:lnRef>
+          <a:fillRef idx="0">
+            <a:schemeClr val="dk1"/>
+          </a:fillRef>
+          <a:effectRef idx="0">
+            <a:schemeClr val="dk1"/>
+          </a:effectRef>
+          <a:fontRef idx="minor">
+            <a:schemeClr val="tx1"/>
+          </a:fontRef>
+        </p:style>
+      </p:cxnSp>
+      <p:cxnSp>
+        <p:nvCxnSpPr>
+          <p:cNvPr id="161" name="Straight Connector 160">
+            <a:extLst>
+              <a:ext uri="{FF2B5EF4-FFF2-40B4-BE49-F238E27FC236}">
+                <a16:creationId xmlns:a16="http://schemas.microsoft.com/office/drawing/2014/main" id="{F06E7E6F-3176-4253-AA1E-B11FFED0F62E}"/>
+              </a:ext>
+            </a:extLst>
+          </p:cNvPr>
+          <p:cNvCxnSpPr>
+            <a:cxnSpLocks/>
+          </p:cNvCxnSpPr>
+          <p:nvPr/>
+        </p:nvCxnSpPr>
+        <p:spPr>
+          <a:xfrm flipV="1">
+            <a:off x="29293104" y="6049983"/>
+            <a:ext cx="0" cy="356811"/>
+          </a:xfrm>
+          <a:prstGeom prst="line">
+            <a:avLst/>
+          </a:prstGeom>
+        </p:spPr>
+        <p:style>
+          <a:lnRef idx="1">
+            <a:schemeClr val="dk1"/>
+          </a:lnRef>
+          <a:fillRef idx="0">
+            <a:schemeClr val="dk1"/>
+          </a:fillRef>
+          <a:effectRef idx="0">
+            <a:schemeClr val="dk1"/>
+          </a:effectRef>
+          <a:fontRef idx="minor">
+            <a:schemeClr val="tx1"/>
+          </a:fontRef>
+        </p:style>
+      </p:cxnSp>
+      <p:cxnSp>
+        <p:nvCxnSpPr>
+          <p:cNvPr id="162" name="Straight Connector 161">
+            <a:extLst>
+              <a:ext uri="{FF2B5EF4-FFF2-40B4-BE49-F238E27FC236}">
+                <a16:creationId xmlns:a16="http://schemas.microsoft.com/office/drawing/2014/main" id="{70223E0D-F897-42E0-9E2B-160A72D470DF}"/>
+              </a:ext>
+            </a:extLst>
+          </p:cNvPr>
+          <p:cNvCxnSpPr>
+            <a:cxnSpLocks/>
+          </p:cNvCxnSpPr>
+          <p:nvPr/>
+        </p:nvCxnSpPr>
+        <p:spPr>
+          <a:xfrm>
+            <a:off x="29293104" y="6048304"/>
+            <a:ext cx="825714" cy="1297"/>
+          </a:xfrm>
+          <a:prstGeom prst="line">
+            <a:avLst/>
+          </a:prstGeom>
+        </p:spPr>
+        <p:style>
+          <a:lnRef idx="1">
+            <a:schemeClr val="dk1"/>
+          </a:lnRef>
+          <a:fillRef idx="0">
+            <a:schemeClr val="dk1"/>
+          </a:fillRef>
+          <a:effectRef idx="0">
+            <a:schemeClr val="dk1"/>
+          </a:effectRef>
+          <a:fontRef idx="minor">
+            <a:schemeClr val="tx1"/>
+          </a:fontRef>
+        </p:style>
+      </p:cxnSp>
+      <p:sp>
+        <p:nvSpPr>
+          <p:cNvPr id="166" name="TextBox 165">
+            <a:extLst>
+              <a:ext uri="{FF2B5EF4-FFF2-40B4-BE49-F238E27FC236}">
+                <a16:creationId xmlns:a16="http://schemas.microsoft.com/office/drawing/2014/main" id="{1B6DA6E2-EF4B-4692-AFA1-B98670E122E1}"/>
+              </a:ext>
+            </a:extLst>
+          </p:cNvPr>
+          <p:cNvSpPr txBox="1"/>
+          <p:nvPr/>
+        </p:nvSpPr>
+        <p:spPr>
+          <a:xfrm>
+            <a:off x="23725643" y="13412840"/>
+            <a:ext cx="338554" cy="461665"/>
+          </a:xfrm>
+          <a:prstGeom prst="rect">
+            <a:avLst/>
+          </a:prstGeom>
+          <a:noFill/>
+        </p:spPr>
+        <p:txBody>
+          <a:bodyPr wrap="none" rtlCol="0">
+            <a:spAutoFit/>
+          </a:bodyPr>
+          <a:lstStyle/>
+          <a:p>
+            <a:r>
+              <a:rPr lang="en-US" sz="2400" dirty="0"/>
+              <a:t>*</a:t>
+            </a:r>
+          </a:p>
+        </p:txBody>
+      </p:sp>
+      <p:cxnSp>
+        <p:nvCxnSpPr>
+          <p:cNvPr id="168" name="Straight Connector 167">
+            <a:extLst>
+              <a:ext uri="{FF2B5EF4-FFF2-40B4-BE49-F238E27FC236}">
+                <a16:creationId xmlns:a16="http://schemas.microsoft.com/office/drawing/2014/main" id="{60C4D6FE-10C0-4CD0-B9BC-61EF8CB34616}"/>
+              </a:ext>
+            </a:extLst>
+          </p:cNvPr>
+          <p:cNvCxnSpPr>
+            <a:cxnSpLocks/>
+          </p:cNvCxnSpPr>
+          <p:nvPr/>
+        </p:nvCxnSpPr>
+        <p:spPr>
+          <a:xfrm flipV="1">
+            <a:off x="23503893" y="13683776"/>
+            <a:ext cx="0" cy="445718"/>
+          </a:xfrm>
+          <a:prstGeom prst="line">
+            <a:avLst/>
+          </a:prstGeom>
+        </p:spPr>
+        <p:style>
+          <a:lnRef idx="1">
+            <a:schemeClr val="dk1"/>
+          </a:lnRef>
+          <a:fillRef idx="0">
+            <a:schemeClr val="dk1"/>
+          </a:fillRef>
+          <a:effectRef idx="0">
+            <a:schemeClr val="dk1"/>
+          </a:effectRef>
+          <a:fontRef idx="minor">
+            <a:schemeClr val="tx1"/>
+          </a:fontRef>
+        </p:style>
+      </p:cxnSp>
+      <p:cxnSp>
+        <p:nvCxnSpPr>
+          <p:cNvPr id="170" name="Straight Connector 169">
+            <a:extLst>
+              <a:ext uri="{FF2B5EF4-FFF2-40B4-BE49-F238E27FC236}">
+                <a16:creationId xmlns:a16="http://schemas.microsoft.com/office/drawing/2014/main" id="{5EA33B9B-6B9E-40EC-BA65-ED4FDBBEF718}"/>
+              </a:ext>
+            </a:extLst>
+          </p:cNvPr>
+          <p:cNvCxnSpPr/>
+          <p:nvPr/>
+        </p:nvCxnSpPr>
+        <p:spPr>
+          <a:xfrm flipV="1">
+            <a:off x="24323904" y="13683776"/>
+            <a:ext cx="0" cy="252345"/>
+          </a:xfrm>
+          <a:prstGeom prst="line">
+            <a:avLst/>
+          </a:prstGeom>
+        </p:spPr>
+        <p:style>
+          <a:lnRef idx="1">
+            <a:schemeClr val="dk1"/>
+          </a:lnRef>
+          <a:fillRef idx="0">
+            <a:schemeClr val="dk1"/>
+          </a:fillRef>
+          <a:effectRef idx="0">
+            <a:schemeClr val="dk1"/>
+          </a:effectRef>
+          <a:fontRef idx="minor">
+            <a:schemeClr val="tx1"/>
+          </a:fontRef>
+        </p:style>
+      </p:cxnSp>
+      <p:cxnSp>
+        <p:nvCxnSpPr>
+          <p:cNvPr id="171" name="Straight Connector 170">
+            <a:extLst>
+              <a:ext uri="{FF2B5EF4-FFF2-40B4-BE49-F238E27FC236}">
+                <a16:creationId xmlns:a16="http://schemas.microsoft.com/office/drawing/2014/main" id="{B1D7D001-806C-4F27-895B-D7C1AA41D51A}"/>
+              </a:ext>
+            </a:extLst>
+          </p:cNvPr>
+          <p:cNvCxnSpPr/>
+          <p:nvPr/>
+        </p:nvCxnSpPr>
+        <p:spPr>
+          <a:xfrm>
+            <a:off x="23503893" y="13683776"/>
+            <a:ext cx="820011" cy="6961"/>
+          </a:xfrm>
+          <a:prstGeom prst="line">
+            <a:avLst/>
+          </a:prstGeom>
+        </p:spPr>
+        <p:style>
+          <a:lnRef idx="1">
+            <a:schemeClr val="dk1"/>
+          </a:lnRef>
+          <a:fillRef idx="0">
+            <a:schemeClr val="dk1"/>
+          </a:fillRef>
+          <a:effectRef idx="0">
+            <a:schemeClr val="dk1"/>
+          </a:effectRef>
+          <a:fontRef idx="minor">
+            <a:schemeClr val="tx1"/>
+          </a:fontRef>
+        </p:style>
+      </p:cxnSp>
+      <p:sp>
+        <p:nvSpPr>
+          <p:cNvPr id="180" name="TextBox 179">
+            <a:extLst>
+              <a:ext uri="{FF2B5EF4-FFF2-40B4-BE49-F238E27FC236}">
+                <a16:creationId xmlns:a16="http://schemas.microsoft.com/office/drawing/2014/main" id="{A5DA98C2-69CE-431B-AF0E-390E7E67D4C9}"/>
+              </a:ext>
+            </a:extLst>
+          </p:cNvPr>
+          <p:cNvSpPr txBox="1"/>
+          <p:nvPr/>
+        </p:nvSpPr>
+        <p:spPr>
+          <a:xfrm>
+            <a:off x="24574998" y="13351649"/>
+            <a:ext cx="338554" cy="461665"/>
+          </a:xfrm>
+          <a:prstGeom prst="rect">
+            <a:avLst/>
+          </a:prstGeom>
+          <a:noFill/>
+        </p:spPr>
+        <p:txBody>
+          <a:bodyPr wrap="none" rtlCol="0">
+            <a:spAutoFit/>
+          </a:bodyPr>
+          <a:lstStyle/>
+          <a:p>
+            <a:r>
+              <a:rPr lang="en-US" sz="2400" dirty="0"/>
+              <a:t>*</a:t>
+            </a:r>
+          </a:p>
+        </p:txBody>
+      </p:sp>
+      <p:cxnSp>
+        <p:nvCxnSpPr>
+          <p:cNvPr id="181" name="Straight Connector 180">
+            <a:extLst>
+              <a:ext uri="{FF2B5EF4-FFF2-40B4-BE49-F238E27FC236}">
+                <a16:creationId xmlns:a16="http://schemas.microsoft.com/office/drawing/2014/main" id="{DC8AAD3E-8470-4729-AAC8-332B101C1BCF}"/>
+              </a:ext>
+            </a:extLst>
+          </p:cNvPr>
+          <p:cNvCxnSpPr>
+            <a:cxnSpLocks/>
+          </p:cNvCxnSpPr>
+          <p:nvPr/>
+        </p:nvCxnSpPr>
+        <p:spPr>
+          <a:xfrm flipV="1">
+            <a:off x="25150266" y="13624684"/>
+            <a:ext cx="0" cy="53601"/>
+          </a:xfrm>
+          <a:prstGeom prst="line">
+            <a:avLst/>
+          </a:prstGeom>
+        </p:spPr>
+        <p:style>
+          <a:lnRef idx="1">
+            <a:schemeClr val="dk1"/>
+          </a:lnRef>
+          <a:fillRef idx="0">
+            <a:schemeClr val="dk1"/>
+          </a:fillRef>
+          <a:effectRef idx="0">
+            <a:schemeClr val="dk1"/>
+          </a:effectRef>
+          <a:fontRef idx="minor">
+            <a:schemeClr val="tx1"/>
+          </a:fontRef>
+        </p:style>
+      </p:cxnSp>
+      <p:cxnSp>
+        <p:nvCxnSpPr>
+          <p:cNvPr id="182" name="Straight Connector 181">
+            <a:extLst>
+              <a:ext uri="{FF2B5EF4-FFF2-40B4-BE49-F238E27FC236}">
+                <a16:creationId xmlns:a16="http://schemas.microsoft.com/office/drawing/2014/main" id="{D76FF707-7098-4B2C-819C-0C334B9932CC}"/>
+              </a:ext>
+            </a:extLst>
+          </p:cNvPr>
+          <p:cNvCxnSpPr>
+            <a:cxnSpLocks/>
+          </p:cNvCxnSpPr>
+          <p:nvPr/>
+        </p:nvCxnSpPr>
+        <p:spPr>
+          <a:xfrm flipV="1">
+            <a:off x="24325399" y="13625066"/>
+            <a:ext cx="0" cy="356811"/>
+          </a:xfrm>
+          <a:prstGeom prst="line">
+            <a:avLst/>
+          </a:prstGeom>
+        </p:spPr>
+        <p:style>
+          <a:lnRef idx="1">
+            <a:schemeClr val="dk1"/>
+          </a:lnRef>
+          <a:fillRef idx="0">
+            <a:schemeClr val="dk1"/>
+          </a:fillRef>
+          <a:effectRef idx="0">
+            <a:schemeClr val="dk1"/>
+          </a:effectRef>
+          <a:fontRef idx="minor">
+            <a:schemeClr val="tx1"/>
+          </a:fontRef>
+        </p:style>
+      </p:cxnSp>
+      <p:cxnSp>
+        <p:nvCxnSpPr>
+          <p:cNvPr id="183" name="Straight Connector 182">
+            <a:extLst>
+              <a:ext uri="{FF2B5EF4-FFF2-40B4-BE49-F238E27FC236}">
+                <a16:creationId xmlns:a16="http://schemas.microsoft.com/office/drawing/2014/main" id="{6AE319A8-3C48-412A-AC00-36F0E1757F13}"/>
+              </a:ext>
+            </a:extLst>
+          </p:cNvPr>
+          <p:cNvCxnSpPr>
+            <a:cxnSpLocks/>
+          </p:cNvCxnSpPr>
+          <p:nvPr/>
+        </p:nvCxnSpPr>
+        <p:spPr>
+          <a:xfrm>
+            <a:off x="24325399" y="13623387"/>
+            <a:ext cx="824867" cy="0"/>
+          </a:xfrm>
+          <a:prstGeom prst="line">
+            <a:avLst/>
+          </a:prstGeom>
+        </p:spPr>
+        <p:style>
+          <a:lnRef idx="1">
+            <a:schemeClr val="dk1"/>
+          </a:lnRef>
+          <a:fillRef idx="0">
+            <a:schemeClr val="dk1"/>
+          </a:fillRef>
+          <a:effectRef idx="0">
+            <a:schemeClr val="dk1"/>
+          </a:effectRef>
+          <a:fontRef idx="minor">
+            <a:schemeClr val="tx1"/>
+          </a:fontRef>
+        </p:style>
+      </p:cxnSp>
+      <p:sp>
+        <p:nvSpPr>
+          <p:cNvPr id="185" name="TextBox 184">
+            <a:extLst>
+              <a:ext uri="{FF2B5EF4-FFF2-40B4-BE49-F238E27FC236}">
+                <a16:creationId xmlns:a16="http://schemas.microsoft.com/office/drawing/2014/main" id="{BB663232-BF83-4CEC-8372-43DBD7A82CB4}"/>
+              </a:ext>
+            </a:extLst>
+          </p:cNvPr>
+          <p:cNvSpPr txBox="1"/>
+          <p:nvPr/>
+        </p:nvSpPr>
+        <p:spPr>
+          <a:xfrm>
+            <a:off x="23831550" y="17961350"/>
+            <a:ext cx="338554" cy="461665"/>
+          </a:xfrm>
+          <a:prstGeom prst="rect">
+            <a:avLst/>
+          </a:prstGeom>
+          <a:noFill/>
+        </p:spPr>
+        <p:txBody>
+          <a:bodyPr wrap="none" rtlCol="0">
+            <a:spAutoFit/>
+          </a:bodyPr>
+          <a:lstStyle/>
+          <a:p>
+            <a:r>
+              <a:rPr lang="en-US" sz="2400" dirty="0"/>
+              <a:t>*</a:t>
+            </a:r>
+          </a:p>
+        </p:txBody>
+      </p:sp>
+      <p:cxnSp>
+        <p:nvCxnSpPr>
+          <p:cNvPr id="186" name="Straight Connector 185">
+            <a:extLst>
+              <a:ext uri="{FF2B5EF4-FFF2-40B4-BE49-F238E27FC236}">
+                <a16:creationId xmlns:a16="http://schemas.microsoft.com/office/drawing/2014/main" id="{8634E97C-54D0-4548-8651-6EA9044D0E43}"/>
+              </a:ext>
+            </a:extLst>
+          </p:cNvPr>
+          <p:cNvCxnSpPr>
+            <a:cxnSpLocks/>
+          </p:cNvCxnSpPr>
+          <p:nvPr/>
+        </p:nvCxnSpPr>
+        <p:spPr>
+          <a:xfrm flipV="1">
+            <a:off x="23638098" y="18233950"/>
+            <a:ext cx="0" cy="793752"/>
+          </a:xfrm>
+          <a:prstGeom prst="line">
+            <a:avLst/>
+          </a:prstGeom>
+        </p:spPr>
+        <p:style>
+          <a:lnRef idx="1">
+            <a:schemeClr val="dk1"/>
+          </a:lnRef>
+          <a:fillRef idx="0">
+            <a:schemeClr val="dk1"/>
+          </a:fillRef>
+          <a:effectRef idx="0">
+            <a:schemeClr val="dk1"/>
+          </a:effectRef>
+          <a:fontRef idx="minor">
+            <a:schemeClr val="tx1"/>
+          </a:fontRef>
+        </p:style>
+      </p:cxnSp>
+      <p:cxnSp>
+        <p:nvCxnSpPr>
+          <p:cNvPr id="187" name="Straight Connector 186">
+            <a:extLst>
+              <a:ext uri="{FF2B5EF4-FFF2-40B4-BE49-F238E27FC236}">
+                <a16:creationId xmlns:a16="http://schemas.microsoft.com/office/drawing/2014/main" id="{0D168BF9-6E93-4FA8-962B-8C202F29A368}"/>
+              </a:ext>
+            </a:extLst>
+          </p:cNvPr>
+          <p:cNvCxnSpPr>
+            <a:cxnSpLocks/>
+          </p:cNvCxnSpPr>
+          <p:nvPr/>
+        </p:nvCxnSpPr>
+        <p:spPr>
+          <a:xfrm>
+            <a:off x="23638098" y="18239247"/>
+            <a:ext cx="791713" cy="0"/>
+          </a:xfrm>
+          <a:prstGeom prst="line">
+            <a:avLst/>
+          </a:prstGeom>
+        </p:spPr>
+        <p:style>
+          <a:lnRef idx="1">
+            <a:schemeClr val="dk1"/>
+          </a:lnRef>
+          <a:fillRef idx="0">
+            <a:schemeClr val="dk1"/>
+          </a:fillRef>
+          <a:effectRef idx="0">
+            <a:schemeClr val="dk1"/>
+          </a:effectRef>
+          <a:fontRef idx="minor">
+            <a:schemeClr val="tx1"/>
+          </a:fontRef>
+        </p:style>
+      </p:cxnSp>
+      <p:sp>
+        <p:nvSpPr>
+          <p:cNvPr id="188" name="TextBox 187">
+            <a:extLst>
+              <a:ext uri="{FF2B5EF4-FFF2-40B4-BE49-F238E27FC236}">
+                <a16:creationId xmlns:a16="http://schemas.microsoft.com/office/drawing/2014/main" id="{338F1DBA-167D-4843-AB1C-B28C7785ED3C}"/>
+              </a:ext>
+            </a:extLst>
+          </p:cNvPr>
+          <p:cNvSpPr txBox="1"/>
+          <p:nvPr/>
+        </p:nvSpPr>
+        <p:spPr>
+          <a:xfrm>
+            <a:off x="24680905" y="17900159"/>
+            <a:ext cx="338554" cy="461665"/>
+          </a:xfrm>
+          <a:prstGeom prst="rect">
+            <a:avLst/>
+          </a:prstGeom>
+          <a:noFill/>
+        </p:spPr>
+        <p:txBody>
+          <a:bodyPr wrap="none" rtlCol="0">
+            <a:spAutoFit/>
+          </a:bodyPr>
+          <a:lstStyle/>
+          <a:p>
+            <a:r>
+              <a:rPr lang="en-US" sz="2400" dirty="0"/>
+              <a:t>*</a:t>
+            </a:r>
+          </a:p>
+        </p:txBody>
+      </p:sp>
+      <p:cxnSp>
+        <p:nvCxnSpPr>
+          <p:cNvPr id="189" name="Straight Connector 188">
+            <a:extLst>
+              <a:ext uri="{FF2B5EF4-FFF2-40B4-BE49-F238E27FC236}">
+                <a16:creationId xmlns:a16="http://schemas.microsoft.com/office/drawing/2014/main" id="{920CD828-0CE3-4176-9DF3-168D53E5F3BA}"/>
+              </a:ext>
+            </a:extLst>
+          </p:cNvPr>
+          <p:cNvCxnSpPr>
+            <a:cxnSpLocks/>
+          </p:cNvCxnSpPr>
+          <p:nvPr/>
+        </p:nvCxnSpPr>
+        <p:spPr>
+          <a:xfrm flipV="1">
+            <a:off x="25256173" y="18173195"/>
+            <a:ext cx="0" cy="132763"/>
+          </a:xfrm>
+          <a:prstGeom prst="line">
+            <a:avLst/>
+          </a:prstGeom>
+        </p:spPr>
+        <p:style>
+          <a:lnRef idx="1">
+            <a:schemeClr val="dk1"/>
+          </a:lnRef>
+          <a:fillRef idx="0">
+            <a:schemeClr val="dk1"/>
+          </a:fillRef>
+          <a:effectRef idx="0">
+            <a:schemeClr val="dk1"/>
+          </a:effectRef>
+          <a:fontRef idx="minor">
+            <a:schemeClr val="tx1"/>
+          </a:fontRef>
+        </p:style>
+      </p:cxnSp>
+      <p:cxnSp>
+        <p:nvCxnSpPr>
+          <p:cNvPr id="190" name="Straight Connector 189">
+            <a:extLst>
+              <a:ext uri="{FF2B5EF4-FFF2-40B4-BE49-F238E27FC236}">
+                <a16:creationId xmlns:a16="http://schemas.microsoft.com/office/drawing/2014/main" id="{8C70BE91-740D-45A9-B727-1E718412F6CE}"/>
+              </a:ext>
+            </a:extLst>
+          </p:cNvPr>
+          <p:cNvCxnSpPr>
+            <a:cxnSpLocks/>
+          </p:cNvCxnSpPr>
+          <p:nvPr/>
+        </p:nvCxnSpPr>
+        <p:spPr>
+          <a:xfrm flipV="1">
+            <a:off x="24430186" y="18173577"/>
+            <a:ext cx="0" cy="448346"/>
+          </a:xfrm>
+          <a:prstGeom prst="line">
+            <a:avLst/>
+          </a:prstGeom>
+        </p:spPr>
+        <p:style>
+          <a:lnRef idx="1">
+            <a:schemeClr val="dk1"/>
+          </a:lnRef>
+          <a:fillRef idx="0">
+            <a:schemeClr val="dk1"/>
+          </a:fillRef>
+          <a:effectRef idx="0">
+            <a:schemeClr val="dk1"/>
+          </a:effectRef>
+          <a:fontRef idx="minor">
+            <a:schemeClr val="tx1"/>
+          </a:fontRef>
+        </p:style>
+      </p:cxnSp>
+      <p:cxnSp>
+        <p:nvCxnSpPr>
+          <p:cNvPr id="191" name="Straight Connector 190">
+            <a:extLst>
+              <a:ext uri="{FF2B5EF4-FFF2-40B4-BE49-F238E27FC236}">
+                <a16:creationId xmlns:a16="http://schemas.microsoft.com/office/drawing/2014/main" id="{12496A31-97BC-4C5D-8062-A5EA00E6763E}"/>
+              </a:ext>
+            </a:extLst>
+          </p:cNvPr>
+          <p:cNvCxnSpPr>
+            <a:cxnSpLocks/>
+          </p:cNvCxnSpPr>
+          <p:nvPr/>
+        </p:nvCxnSpPr>
+        <p:spPr>
+          <a:xfrm>
+            <a:off x="24431306" y="18171897"/>
+            <a:ext cx="824867" cy="0"/>
+          </a:xfrm>
+          <a:prstGeom prst="line">
+            <a:avLst/>
+          </a:prstGeom>
+        </p:spPr>
+        <p:style>
+          <a:lnRef idx="1">
+            <a:schemeClr val="dk1"/>
+          </a:lnRef>
+          <a:fillRef idx="0">
+            <a:schemeClr val="dk1"/>
+          </a:fillRef>
+          <a:effectRef idx="0">
+            <a:schemeClr val="dk1"/>
+          </a:effectRef>
+          <a:fontRef idx="minor">
+            <a:schemeClr val="tx1"/>
+          </a:fontRef>
+        </p:style>
+      </p:cxnSp>
+      <p:sp>
+        <p:nvSpPr>
+          <p:cNvPr id="196" name="TextBox 195">
+            <a:extLst>
+              <a:ext uri="{FF2B5EF4-FFF2-40B4-BE49-F238E27FC236}">
+                <a16:creationId xmlns:a16="http://schemas.microsoft.com/office/drawing/2014/main" id="{52E23EC9-3F42-406F-B02C-4E552EF11405}"/>
+              </a:ext>
+            </a:extLst>
+          </p:cNvPr>
+          <p:cNvSpPr txBox="1"/>
+          <p:nvPr/>
+        </p:nvSpPr>
+        <p:spPr>
+          <a:xfrm>
+            <a:off x="37773152" y="11514656"/>
+            <a:ext cx="338554" cy="461665"/>
+          </a:xfrm>
+          <a:prstGeom prst="rect">
+            <a:avLst/>
+          </a:prstGeom>
+          <a:noFill/>
+        </p:spPr>
+        <p:txBody>
+          <a:bodyPr wrap="none" rtlCol="0">
+            <a:spAutoFit/>
+          </a:bodyPr>
+          <a:lstStyle/>
+          <a:p>
+            <a:r>
+              <a:rPr lang="en-US" sz="2400" dirty="0"/>
+              <a:t>*</a:t>
+            </a:r>
+          </a:p>
+        </p:txBody>
+      </p:sp>
+      <p:sp>
+        <p:nvSpPr>
+          <p:cNvPr id="197" name="TextBox 196">
+            <a:extLst>
+              <a:ext uri="{FF2B5EF4-FFF2-40B4-BE49-F238E27FC236}">
+                <a16:creationId xmlns:a16="http://schemas.microsoft.com/office/drawing/2014/main" id="{FFFB7037-041E-4D42-AEC3-61C63F15F30E}"/>
+              </a:ext>
+            </a:extLst>
+          </p:cNvPr>
+          <p:cNvSpPr txBox="1"/>
+          <p:nvPr/>
+        </p:nvSpPr>
+        <p:spPr>
+          <a:xfrm>
+            <a:off x="39058539" y="11747954"/>
+            <a:ext cx="338554" cy="461665"/>
+          </a:xfrm>
+          <a:prstGeom prst="rect">
+            <a:avLst/>
+          </a:prstGeom>
+          <a:noFill/>
+        </p:spPr>
+        <p:txBody>
+          <a:bodyPr wrap="none" rtlCol="0">
+            <a:spAutoFit/>
+          </a:bodyPr>
+          <a:lstStyle/>
+          <a:p>
+            <a:r>
+              <a:rPr lang="en-US" sz="2400" dirty="0"/>
+              <a:t>*</a:t>
+            </a:r>
+          </a:p>
+        </p:txBody>
+      </p:sp>
+      <p:sp>
+        <p:nvSpPr>
+          <p:cNvPr id="198" name="TextBox 197">
+            <a:extLst>
+              <a:ext uri="{FF2B5EF4-FFF2-40B4-BE49-F238E27FC236}">
+                <a16:creationId xmlns:a16="http://schemas.microsoft.com/office/drawing/2014/main" id="{C66FC34F-C604-429C-9707-901D184D8E3D}"/>
+              </a:ext>
+            </a:extLst>
+          </p:cNvPr>
+          <p:cNvSpPr txBox="1"/>
+          <p:nvPr/>
+        </p:nvSpPr>
+        <p:spPr>
+          <a:xfrm>
+            <a:off x="40343926" y="11317473"/>
+            <a:ext cx="338554" cy="461665"/>
+          </a:xfrm>
+          <a:prstGeom prst="rect">
+            <a:avLst/>
+          </a:prstGeom>
+          <a:noFill/>
+        </p:spPr>
+        <p:txBody>
+          <a:bodyPr wrap="none" rtlCol="0">
+            <a:spAutoFit/>
+          </a:bodyPr>
+          <a:lstStyle/>
+          <a:p>
+            <a:r>
+              <a:rPr lang="en-US" sz="2400" dirty="0"/>
+              <a:t>*</a:t>
+            </a:r>
+          </a:p>
+        </p:txBody>
+      </p:sp>
+      <p:sp>
+        <p:nvSpPr>
+          <p:cNvPr id="200" name="TextBox 199">
+            <a:extLst>
+              <a:ext uri="{FF2B5EF4-FFF2-40B4-BE49-F238E27FC236}">
+                <a16:creationId xmlns:a16="http://schemas.microsoft.com/office/drawing/2014/main" id="{7B50F97F-DD1F-4A36-8852-972C91382EF8}"/>
+              </a:ext>
+            </a:extLst>
+          </p:cNvPr>
+          <p:cNvSpPr txBox="1"/>
+          <p:nvPr/>
+        </p:nvSpPr>
+        <p:spPr>
+          <a:xfrm>
+            <a:off x="34758515" y="10095514"/>
+            <a:ext cx="338554" cy="461665"/>
+          </a:xfrm>
+          <a:prstGeom prst="rect">
+            <a:avLst/>
+          </a:prstGeom>
+          <a:noFill/>
+        </p:spPr>
+        <p:txBody>
+          <a:bodyPr wrap="none" rtlCol="0">
+            <a:spAutoFit/>
+          </a:bodyPr>
+          <a:lstStyle/>
+          <a:p>
+            <a:r>
+              <a:rPr lang="en-US" sz="2400" dirty="0"/>
+              <a:t>*</a:t>
+            </a:r>
+          </a:p>
+        </p:txBody>
+      </p:sp>
+      <p:cxnSp>
+        <p:nvCxnSpPr>
+          <p:cNvPr id="201" name="Straight Connector 200">
+            <a:extLst>
+              <a:ext uri="{FF2B5EF4-FFF2-40B4-BE49-F238E27FC236}">
+                <a16:creationId xmlns:a16="http://schemas.microsoft.com/office/drawing/2014/main" id="{C1616741-A026-4788-8341-3E0E9B698D50}"/>
+              </a:ext>
+            </a:extLst>
+          </p:cNvPr>
+          <p:cNvCxnSpPr>
+            <a:cxnSpLocks/>
+          </p:cNvCxnSpPr>
+          <p:nvPr/>
+        </p:nvCxnSpPr>
+        <p:spPr>
+          <a:xfrm flipV="1">
+            <a:off x="34265654" y="10375010"/>
+            <a:ext cx="1495" cy="140580"/>
+          </a:xfrm>
+          <a:prstGeom prst="line">
+            <a:avLst/>
+          </a:prstGeom>
+        </p:spPr>
+        <p:style>
+          <a:lnRef idx="1">
+            <a:schemeClr val="dk1"/>
+          </a:lnRef>
+          <a:fillRef idx="0">
+            <a:schemeClr val="dk1"/>
+          </a:fillRef>
+          <a:effectRef idx="0">
+            <a:schemeClr val="dk1"/>
+          </a:effectRef>
+          <a:fontRef idx="minor">
+            <a:schemeClr val="tx1"/>
+          </a:fontRef>
+        </p:style>
+      </p:cxnSp>
+      <p:cxnSp>
+        <p:nvCxnSpPr>
+          <p:cNvPr id="202" name="Straight Connector 201">
+            <a:extLst>
+              <a:ext uri="{FF2B5EF4-FFF2-40B4-BE49-F238E27FC236}">
+                <a16:creationId xmlns:a16="http://schemas.microsoft.com/office/drawing/2014/main" id="{C7FCDE6A-4D12-4531-911F-504986911299}"/>
+              </a:ext>
+            </a:extLst>
+          </p:cNvPr>
+          <p:cNvCxnSpPr>
+            <a:cxnSpLocks/>
+          </p:cNvCxnSpPr>
+          <p:nvPr/>
+        </p:nvCxnSpPr>
+        <p:spPr>
+          <a:xfrm>
+            <a:off x="34267149" y="10375009"/>
+            <a:ext cx="1324277" cy="6961"/>
+          </a:xfrm>
+          <a:prstGeom prst="line">
+            <a:avLst/>
+          </a:prstGeom>
+        </p:spPr>
+        <p:style>
+          <a:lnRef idx="1">
+            <a:schemeClr val="dk1"/>
+          </a:lnRef>
+          <a:fillRef idx="0">
+            <a:schemeClr val="dk1"/>
+          </a:fillRef>
+          <a:effectRef idx="0">
+            <a:schemeClr val="dk1"/>
+          </a:effectRef>
+          <a:fontRef idx="minor">
+            <a:schemeClr val="tx1"/>
+          </a:fontRef>
+        </p:style>
+      </p:cxnSp>
+      <p:cxnSp>
+        <p:nvCxnSpPr>
+          <p:cNvPr id="203" name="Straight Connector 202">
+            <a:extLst>
+              <a:ext uri="{FF2B5EF4-FFF2-40B4-BE49-F238E27FC236}">
+                <a16:creationId xmlns:a16="http://schemas.microsoft.com/office/drawing/2014/main" id="{4E1AEFD7-D7DB-4772-B1C1-5F83A5C9B436}"/>
+              </a:ext>
+            </a:extLst>
+          </p:cNvPr>
+          <p:cNvCxnSpPr>
+            <a:cxnSpLocks/>
+          </p:cNvCxnSpPr>
+          <p:nvPr/>
+        </p:nvCxnSpPr>
+        <p:spPr>
+          <a:xfrm flipV="1">
+            <a:off x="35591426" y="10381970"/>
+            <a:ext cx="0" cy="719960"/>
+          </a:xfrm>
+          <a:prstGeom prst="line">
+            <a:avLst/>
+          </a:prstGeom>
+        </p:spPr>
+        <p:style>
+          <a:lnRef idx="1">
+            <a:schemeClr val="dk1"/>
+          </a:lnRef>
+          <a:fillRef idx="0">
+            <a:schemeClr val="dk1"/>
+          </a:fillRef>
+          <a:effectRef idx="0">
+            <a:schemeClr val="dk1"/>
+          </a:effectRef>
+          <a:fontRef idx="minor">
+            <a:schemeClr val="tx1"/>
+          </a:fontRef>
+        </p:style>
+      </p:cxnSp>
     </p:spTree>
   </p:cSld>
   <p:clrMapOvr>

--- a/rampPosterSFN2018Final.pptx
+++ b/rampPosterSFN2018Final.pptx
@@ -4010,7 +4010,7 @@
         </p:nvSpPr>
         <p:spPr>
           <a:xfrm>
-            <a:off x="22149514" y="3847855"/>
+            <a:off x="21964315" y="3858877"/>
             <a:ext cx="19800000" cy="1079641"/>
           </a:xfrm>
           <a:prstGeom prst="rect">
@@ -7055,7 +7055,7 @@
         </p:nvSpPr>
         <p:spPr>
           <a:xfrm>
-            <a:off x="27022474" y="17225838"/>
+            <a:off x="27022474" y="17319912"/>
             <a:ext cx="8585667" cy="553998"/>
           </a:xfrm>
           <a:prstGeom prst="rect">
@@ -7521,8 +7521,8 @@
         </p:blipFill>
         <p:spPr>
           <a:xfrm>
-            <a:off x="10564649" y="25223163"/>
-            <a:ext cx="4431369" cy="3509637"/>
+            <a:off x="10604650" y="25338689"/>
+            <a:ext cx="4285503" cy="3394111"/>
           </a:xfrm>
           <a:prstGeom prst="rect">
             <a:avLst/>
